--- a/training/IPSP/Lab3/LabBook_030.pptx
+++ b/training/IPSP/Lab3/LabBook_030.pptx
@@ -5,10 +5,10 @@
     <p:sldMasterId id="2147483648" r:id="rId1"/>
   </p:sldMasterIdLst>
   <p:notesMasterIdLst>
-    <p:notesMasterId r:id="rId9"/>
+    <p:notesMasterId r:id="rId13"/>
   </p:notesMasterIdLst>
   <p:handoutMasterIdLst>
-    <p:handoutMasterId r:id="rId10"/>
+    <p:handoutMasterId r:id="rId14"/>
   </p:handoutMasterIdLst>
   <p:sldIdLst>
     <p:sldId id="256" r:id="rId2"/>
@@ -17,7 +17,11 @@
     <p:sldId id="296" r:id="rId5"/>
     <p:sldId id="375" r:id="rId6"/>
     <p:sldId id="376" r:id="rId7"/>
-    <p:sldId id="288" r:id="rId8"/>
+    <p:sldId id="377" r:id="rId8"/>
+    <p:sldId id="388" r:id="rId9"/>
+    <p:sldId id="380" r:id="rId10"/>
+    <p:sldId id="381" r:id="rId11"/>
+    <p:sldId id="288" r:id="rId12"/>
   </p:sldIdLst>
   <p:sldSz cx="12192000" cy="6858000"/>
   <p:notesSz cx="12192000" cy="6858000"/>
@@ -2849,6 +2853,968 @@
 </p:sld>
 </file>
 
+<file path=ppt/slides/slide10.xml><?xml version="1.0" encoding="utf-8"?>
+<p:sld xmlns:a="http://schemas.openxmlformats.org/drawingml/2006/main" xmlns:r="http://schemas.openxmlformats.org/officeDocument/2006/relationships" xmlns:p="http://schemas.openxmlformats.org/presentationml/2006/main">
+  <p:cSld>
+    <p:spTree>
+      <p:nvGrpSpPr>
+        <p:cNvPr id="1" name=""/>
+        <p:cNvGrpSpPr/>
+        <p:nvPr/>
+      </p:nvGrpSpPr>
+      <p:grpSpPr>
+        <a:xfrm>
+          <a:off x="0" y="0"/>
+          <a:ext cx="0" cy="0"/>
+          <a:chOff x="0" y="0"/>
+          <a:chExt cx="0" cy="0"/>
+        </a:xfrm>
+      </p:grpSpPr>
+      <p:sp>
+        <p:nvSpPr>
+          <p:cNvPr id="5" name="Marcador de pie de página 4">
+            <a:extLst>
+              <a:ext uri="{FF2B5EF4-FFF2-40B4-BE49-F238E27FC236}">
+                <a16:creationId xmlns:a16="http://schemas.microsoft.com/office/drawing/2014/main" id="{F929251A-3DC4-36B2-3FB3-341378364BED}"/>
+              </a:ext>
+            </a:extLst>
+          </p:cNvPr>
+          <p:cNvSpPr>
+            <a:spLocks noGrp="1"/>
+          </p:cNvSpPr>
+          <p:nvPr>
+            <p:ph type="ftr" sz="quarter" idx="5"/>
+          </p:nvPr>
+        </p:nvSpPr>
+        <p:spPr/>
+        <p:txBody>
+          <a:bodyPr/>
+          <a:lstStyle/>
+          <a:p>
+            <a:r>
+              <a:rPr lang="en-US"/>
+              <a:t>LAB 0.3. CIRCUITS &amp; COMPACT MODELS</a:t>
+            </a:r>
+          </a:p>
+        </p:txBody>
+      </p:sp>
+      <p:sp>
+        <p:nvSpPr>
+          <p:cNvPr id="6" name="Marcador de número de diapositiva 5">
+            <a:extLst>
+              <a:ext uri="{FF2B5EF4-FFF2-40B4-BE49-F238E27FC236}">
+                <a16:creationId xmlns:a16="http://schemas.microsoft.com/office/drawing/2014/main" id="{8E91A34C-DF76-97CF-3EFD-546BC64A2184}"/>
+              </a:ext>
+            </a:extLst>
+          </p:cNvPr>
+          <p:cNvSpPr>
+            <a:spLocks noGrp="1"/>
+          </p:cNvSpPr>
+          <p:nvPr>
+            <p:ph type="sldNum" sz="quarter" idx="7"/>
+          </p:nvPr>
+        </p:nvSpPr>
+        <p:spPr/>
+        <p:txBody>
+          <a:bodyPr/>
+          <a:lstStyle/>
+          <a:p>
+            <a:fld id="{C2F52289-4012-4053-9770-FE82CEB9514F}" type="slidenum">
+              <a:rPr lang="en-US" smtClean="0"/>
+              <a:pPr/>
+              <a:t>10</a:t>
+            </a:fld>
+            <a:endParaRPr lang="en-US" dirty="0"/>
+          </a:p>
+        </p:txBody>
+      </p:sp>
+      <p:sp>
+        <p:nvSpPr>
+          <p:cNvPr id="8" name="CuadroTexto 7">
+            <a:extLst>
+              <a:ext uri="{FF2B5EF4-FFF2-40B4-BE49-F238E27FC236}">
+                <a16:creationId xmlns:a16="http://schemas.microsoft.com/office/drawing/2014/main" id="{D9601617-351E-AE1A-1F4D-693F2EA59361}"/>
+              </a:ext>
+            </a:extLst>
+          </p:cNvPr>
+          <p:cNvSpPr txBox="1"/>
+          <p:nvPr/>
+        </p:nvSpPr>
+        <p:spPr>
+          <a:xfrm>
+            <a:off x="611029" y="4860335"/>
+            <a:ext cx="11199530" cy="830997"/>
+          </a:xfrm>
+          <a:prstGeom prst="rect">
+            <a:avLst/>
+          </a:prstGeom>
+          <a:solidFill>
+            <a:schemeClr val="bg1">
+              <a:lumMod val="95000"/>
+            </a:schemeClr>
+          </a:solidFill>
+          <a:ln w="28575">
+            <a:solidFill>
+              <a:srgbClr val="E0700D"/>
+            </a:solidFill>
+          </a:ln>
+        </p:spPr>
+        <p:txBody>
+          <a:bodyPr wrap="square" rtlCol="0">
+            <a:spAutoFit/>
+          </a:bodyPr>
+          <a:lstStyle/>
+          <a:p>
+            <a:pPr algn="just"/>
+            <a:r>
+              <a:rPr lang="en-US" sz="1200" dirty="0">
+                <a:latin typeface="Arial" panose="020B0604020202020204" pitchFamily="34" charset="0"/>
+                <a:cs typeface="Arial" panose="020B0604020202020204" pitchFamily="34" charset="0"/>
+              </a:rPr>
+              <a:t>Comment results. Try to classify the resonances, in which case are you close to critical coupling? Why?</a:t>
+            </a:r>
+          </a:p>
+          <a:p>
+            <a:pPr algn="just"/>
+            <a:endParaRPr lang="en-US" sz="1200" dirty="0">
+              <a:latin typeface="Arial" panose="020B0604020202020204" pitchFamily="34" charset="0"/>
+              <a:cs typeface="Arial" panose="020B0604020202020204" pitchFamily="34" charset="0"/>
+            </a:endParaRPr>
+          </a:p>
+          <a:p>
+            <a:pPr algn="just"/>
+            <a:endParaRPr lang="en-US" sz="1200" dirty="0">
+              <a:latin typeface="Arial" panose="020B0604020202020204" pitchFamily="34" charset="0"/>
+              <a:cs typeface="Arial" panose="020B0604020202020204" pitchFamily="34" charset="0"/>
+            </a:endParaRPr>
+          </a:p>
+          <a:p>
+            <a:pPr algn="just"/>
+            <a:endParaRPr lang="en-US" sz="1200" dirty="0">
+              <a:latin typeface="Arial" panose="020B0604020202020204" pitchFamily="34" charset="0"/>
+              <a:cs typeface="Arial" panose="020B0604020202020204" pitchFamily="34" charset="0"/>
+            </a:endParaRPr>
+          </a:p>
+        </p:txBody>
+      </p:sp>
+      <p:sp>
+        <p:nvSpPr>
+          <p:cNvPr id="11" name="Rectángulo 10">
+            <a:extLst>
+              <a:ext uri="{FF2B5EF4-FFF2-40B4-BE49-F238E27FC236}">
+                <a16:creationId xmlns:a16="http://schemas.microsoft.com/office/drawing/2014/main" id="{B811A5F9-C0B5-716C-70FB-9472E1BC2CD3}"/>
+              </a:ext>
+            </a:extLst>
+          </p:cNvPr>
+          <p:cNvSpPr/>
+          <p:nvPr/>
+        </p:nvSpPr>
+        <p:spPr>
+          <a:xfrm>
+            <a:off x="611030" y="1418373"/>
+            <a:ext cx="2538552" cy="3306028"/>
+          </a:xfrm>
+          <a:prstGeom prst="rect">
+            <a:avLst/>
+          </a:prstGeom>
+          <a:noFill/>
+          <a:ln w="28575">
+            <a:solidFill>
+              <a:srgbClr val="E0700D"/>
+            </a:solidFill>
+          </a:ln>
+        </p:spPr>
+        <p:style>
+          <a:lnRef idx="2">
+            <a:schemeClr val="accent1">
+              <a:shade val="15000"/>
+            </a:schemeClr>
+          </a:lnRef>
+          <a:fillRef idx="1">
+            <a:schemeClr val="accent1"/>
+          </a:fillRef>
+          <a:effectRef idx="0">
+            <a:schemeClr val="accent1"/>
+          </a:effectRef>
+          <a:fontRef idx="minor">
+            <a:schemeClr val="lt1"/>
+          </a:fontRef>
+        </p:style>
+        <p:txBody>
+          <a:bodyPr rtlCol="0" anchor="ctr"/>
+          <a:lstStyle/>
+          <a:p>
+            <a:pPr algn="ctr"/>
+            <a:endParaRPr lang="en-US"/>
+          </a:p>
+        </p:txBody>
+      </p:sp>
+      <p:sp>
+        <p:nvSpPr>
+          <p:cNvPr id="14" name="Rectángulo 13">
+            <a:extLst>
+              <a:ext uri="{FF2B5EF4-FFF2-40B4-BE49-F238E27FC236}">
+                <a16:creationId xmlns:a16="http://schemas.microsoft.com/office/drawing/2014/main" id="{6AA857E7-5C39-DCE1-10B5-40300FCF4B26}"/>
+              </a:ext>
+            </a:extLst>
+          </p:cNvPr>
+          <p:cNvSpPr/>
+          <p:nvPr/>
+        </p:nvSpPr>
+        <p:spPr>
+          <a:xfrm>
+            <a:off x="3277315" y="1419036"/>
+            <a:ext cx="2538552" cy="3306028"/>
+          </a:xfrm>
+          <a:prstGeom prst="rect">
+            <a:avLst/>
+          </a:prstGeom>
+          <a:noFill/>
+          <a:ln w="28575">
+            <a:solidFill>
+              <a:srgbClr val="E0700D"/>
+            </a:solidFill>
+          </a:ln>
+        </p:spPr>
+        <p:style>
+          <a:lnRef idx="2">
+            <a:schemeClr val="accent1">
+              <a:shade val="15000"/>
+            </a:schemeClr>
+          </a:lnRef>
+          <a:fillRef idx="1">
+            <a:schemeClr val="accent1"/>
+          </a:fillRef>
+          <a:effectRef idx="0">
+            <a:schemeClr val="accent1"/>
+          </a:effectRef>
+          <a:fontRef idx="minor">
+            <a:schemeClr val="lt1"/>
+          </a:fontRef>
+        </p:style>
+        <p:txBody>
+          <a:bodyPr rtlCol="0" anchor="ctr"/>
+          <a:lstStyle/>
+          <a:p>
+            <a:pPr algn="ctr"/>
+            <a:endParaRPr lang="en-US"/>
+          </a:p>
+        </p:txBody>
+      </p:sp>
+      <p:sp>
+        <p:nvSpPr>
+          <p:cNvPr id="15" name="CuadroTexto 14">
+            <a:extLst>
+              <a:ext uri="{FF2B5EF4-FFF2-40B4-BE49-F238E27FC236}">
+                <a16:creationId xmlns:a16="http://schemas.microsoft.com/office/drawing/2014/main" id="{54CF28B4-1346-F41D-2CD8-EA104ABBFB98}"/>
+              </a:ext>
+            </a:extLst>
+          </p:cNvPr>
+          <p:cNvSpPr txBox="1"/>
+          <p:nvPr/>
+        </p:nvSpPr>
+        <p:spPr>
+          <a:xfrm>
+            <a:off x="863650" y="2101891"/>
+            <a:ext cx="2033313" cy="1938992"/>
+          </a:xfrm>
+          <a:prstGeom prst="rect">
+            <a:avLst/>
+          </a:prstGeom>
+          <a:noFill/>
+        </p:spPr>
+        <p:txBody>
+          <a:bodyPr wrap="none" rtlCol="0">
+            <a:spAutoFit/>
+          </a:bodyPr>
+          <a:lstStyle/>
+          <a:p>
+            <a:pPr algn="ctr"/>
+            <a:r>
+              <a:rPr lang="es-ES" sz="2000" dirty="0"/>
+              <a:t>Single ring</a:t>
+            </a:r>
+          </a:p>
+          <a:p>
+            <a:pPr algn="ctr"/>
+            <a:r>
+              <a:rPr lang="es-ES" sz="2000" dirty="0"/>
+              <a:t>transfer </a:t>
+            </a:r>
+            <a:r>
+              <a:rPr lang="es-ES" sz="2000" dirty="0" err="1"/>
+              <a:t>functions</a:t>
+            </a:r>
+            <a:endParaRPr lang="es-ES" sz="2000" dirty="0"/>
+          </a:p>
+          <a:p>
+            <a:pPr algn="ctr"/>
+            <a:endParaRPr lang="es-ES" sz="2000" dirty="0"/>
+          </a:p>
+          <a:p>
+            <a:pPr algn="ctr"/>
+            <a:r>
+              <a:rPr lang="es-ES" sz="2000" dirty="0"/>
+              <a:t>Linear </a:t>
+            </a:r>
+            <a:r>
+              <a:rPr lang="es-ES" sz="2000" dirty="0" err="1"/>
+              <a:t>units</a:t>
+            </a:r>
+            <a:endParaRPr lang="es-ES" sz="2000" dirty="0"/>
+          </a:p>
+          <a:p>
+            <a:pPr algn="ctr"/>
+            <a:endParaRPr lang="es-ES" sz="2000" dirty="0"/>
+          </a:p>
+          <a:p>
+            <a:pPr algn="ctr"/>
+            <a:r>
+              <a:rPr lang="es-ES" sz="2000" dirty="0" err="1"/>
+              <a:t>alpha</a:t>
+            </a:r>
+            <a:r>
+              <a:rPr lang="es-ES" sz="2000" dirty="0"/>
+              <a:t>=0 dB/cm</a:t>
+            </a:r>
+            <a:endParaRPr lang="en-US" sz="2000" dirty="0"/>
+          </a:p>
+        </p:txBody>
+      </p:sp>
+      <p:sp>
+        <p:nvSpPr>
+          <p:cNvPr id="9" name="Rectángulo 8">
+            <a:extLst>
+              <a:ext uri="{FF2B5EF4-FFF2-40B4-BE49-F238E27FC236}">
+                <a16:creationId xmlns:a16="http://schemas.microsoft.com/office/drawing/2014/main" id="{11F0F5FC-B571-59FC-7890-3105A6A843BB}"/>
+              </a:ext>
+            </a:extLst>
+          </p:cNvPr>
+          <p:cNvSpPr/>
+          <p:nvPr/>
+        </p:nvSpPr>
+        <p:spPr>
+          <a:xfrm>
+            <a:off x="5943600" y="1418373"/>
+            <a:ext cx="2538552" cy="3306028"/>
+          </a:xfrm>
+          <a:prstGeom prst="rect">
+            <a:avLst/>
+          </a:prstGeom>
+          <a:noFill/>
+          <a:ln w="28575">
+            <a:solidFill>
+              <a:srgbClr val="E0700D"/>
+            </a:solidFill>
+          </a:ln>
+        </p:spPr>
+        <p:style>
+          <a:lnRef idx="2">
+            <a:schemeClr val="accent1">
+              <a:shade val="15000"/>
+            </a:schemeClr>
+          </a:lnRef>
+          <a:fillRef idx="1">
+            <a:schemeClr val="accent1"/>
+          </a:fillRef>
+          <a:effectRef idx="0">
+            <a:schemeClr val="accent1"/>
+          </a:effectRef>
+          <a:fontRef idx="minor">
+            <a:schemeClr val="lt1"/>
+          </a:fontRef>
+        </p:style>
+        <p:txBody>
+          <a:bodyPr rtlCol="0" anchor="ctr"/>
+          <a:lstStyle/>
+          <a:p>
+            <a:pPr algn="ctr"/>
+            <a:endParaRPr lang="en-US"/>
+          </a:p>
+        </p:txBody>
+      </p:sp>
+      <p:sp>
+        <p:nvSpPr>
+          <p:cNvPr id="10" name="CuadroTexto 9">
+            <a:extLst>
+              <a:ext uri="{FF2B5EF4-FFF2-40B4-BE49-F238E27FC236}">
+                <a16:creationId xmlns:a16="http://schemas.microsoft.com/office/drawing/2014/main" id="{3146642F-220B-8F6A-59A8-2D128DDF3BEB}"/>
+              </a:ext>
+            </a:extLst>
+          </p:cNvPr>
+          <p:cNvSpPr txBox="1"/>
+          <p:nvPr/>
+        </p:nvSpPr>
+        <p:spPr>
+          <a:xfrm>
+            <a:off x="3529935" y="2104638"/>
+            <a:ext cx="2033313" cy="1938992"/>
+          </a:xfrm>
+          <a:prstGeom prst="rect">
+            <a:avLst/>
+          </a:prstGeom>
+          <a:noFill/>
+        </p:spPr>
+        <p:txBody>
+          <a:bodyPr wrap="none" rtlCol="0">
+            <a:spAutoFit/>
+          </a:bodyPr>
+          <a:lstStyle/>
+          <a:p>
+            <a:pPr algn="ctr"/>
+            <a:r>
+              <a:rPr lang="es-ES" sz="2000" dirty="0"/>
+              <a:t>Single ring</a:t>
+            </a:r>
+          </a:p>
+          <a:p>
+            <a:pPr algn="ctr"/>
+            <a:r>
+              <a:rPr lang="es-ES" sz="2000" dirty="0"/>
+              <a:t>transfer </a:t>
+            </a:r>
+            <a:r>
+              <a:rPr lang="es-ES" sz="2000" dirty="0" err="1"/>
+              <a:t>functions</a:t>
+            </a:r>
+            <a:endParaRPr lang="es-ES" sz="2000" dirty="0"/>
+          </a:p>
+          <a:p>
+            <a:pPr algn="ctr"/>
+            <a:endParaRPr lang="es-ES" sz="2000" dirty="0"/>
+          </a:p>
+          <a:p>
+            <a:pPr algn="ctr"/>
+            <a:r>
+              <a:rPr lang="es-ES" sz="2000" dirty="0"/>
+              <a:t>Linear </a:t>
+            </a:r>
+            <a:r>
+              <a:rPr lang="es-ES" sz="2000" dirty="0" err="1"/>
+              <a:t>units</a:t>
+            </a:r>
+            <a:endParaRPr lang="es-ES" sz="2000" dirty="0"/>
+          </a:p>
+          <a:p>
+            <a:pPr algn="ctr"/>
+            <a:endParaRPr lang="es-ES" sz="2000" dirty="0"/>
+          </a:p>
+          <a:p>
+            <a:pPr algn="ctr"/>
+            <a:r>
+              <a:rPr lang="es-ES" sz="2000" dirty="0" err="1"/>
+              <a:t>alpha</a:t>
+            </a:r>
+            <a:r>
+              <a:rPr lang="es-ES" sz="2000" dirty="0"/>
+              <a:t>=1 dB/cm</a:t>
+            </a:r>
+            <a:endParaRPr lang="en-US" sz="2000" dirty="0"/>
+          </a:p>
+        </p:txBody>
+      </p:sp>
+      <p:sp>
+        <p:nvSpPr>
+          <p:cNvPr id="13" name="CuadroTexto 12">
+            <a:extLst>
+              <a:ext uri="{FF2B5EF4-FFF2-40B4-BE49-F238E27FC236}">
+                <a16:creationId xmlns:a16="http://schemas.microsoft.com/office/drawing/2014/main" id="{057C499E-829F-FB11-9128-843C937CB822}"/>
+              </a:ext>
+            </a:extLst>
+          </p:cNvPr>
+          <p:cNvSpPr txBox="1"/>
+          <p:nvPr/>
+        </p:nvSpPr>
+        <p:spPr>
+          <a:xfrm>
+            <a:off x="6195187" y="2101891"/>
+            <a:ext cx="2033313" cy="1938992"/>
+          </a:xfrm>
+          <a:prstGeom prst="rect">
+            <a:avLst/>
+          </a:prstGeom>
+          <a:noFill/>
+        </p:spPr>
+        <p:txBody>
+          <a:bodyPr wrap="none" rtlCol="0">
+            <a:spAutoFit/>
+          </a:bodyPr>
+          <a:lstStyle/>
+          <a:p>
+            <a:pPr algn="ctr"/>
+            <a:r>
+              <a:rPr lang="es-ES" sz="2000" dirty="0"/>
+              <a:t>Single ring</a:t>
+            </a:r>
+          </a:p>
+          <a:p>
+            <a:pPr algn="ctr"/>
+            <a:r>
+              <a:rPr lang="es-ES" sz="2000" dirty="0"/>
+              <a:t>transfer </a:t>
+            </a:r>
+            <a:r>
+              <a:rPr lang="es-ES" sz="2000" dirty="0" err="1"/>
+              <a:t>functions</a:t>
+            </a:r>
+            <a:endParaRPr lang="es-ES" sz="2000" dirty="0"/>
+          </a:p>
+          <a:p>
+            <a:pPr algn="ctr"/>
+            <a:endParaRPr lang="es-ES" sz="2000" dirty="0"/>
+          </a:p>
+          <a:p>
+            <a:pPr algn="ctr"/>
+            <a:r>
+              <a:rPr lang="es-ES" sz="2000" dirty="0"/>
+              <a:t>Linear </a:t>
+            </a:r>
+            <a:r>
+              <a:rPr lang="es-ES" sz="2000" dirty="0" err="1"/>
+              <a:t>units</a:t>
+            </a:r>
+            <a:endParaRPr lang="es-ES" sz="2000" dirty="0"/>
+          </a:p>
+          <a:p>
+            <a:pPr algn="ctr"/>
+            <a:endParaRPr lang="es-ES" sz="2000" dirty="0"/>
+          </a:p>
+          <a:p>
+            <a:pPr algn="ctr"/>
+            <a:r>
+              <a:rPr lang="es-ES" sz="2000" dirty="0" err="1"/>
+              <a:t>alpha</a:t>
+            </a:r>
+            <a:r>
+              <a:rPr lang="es-ES" sz="2000" dirty="0"/>
+              <a:t>=2 dB/cm</a:t>
+            </a:r>
+            <a:endParaRPr lang="en-US" sz="2000" dirty="0"/>
+          </a:p>
+        </p:txBody>
+      </p:sp>
+      <p:sp>
+        <p:nvSpPr>
+          <p:cNvPr id="12" name="Rectángulo 11">
+            <a:extLst>
+              <a:ext uri="{FF2B5EF4-FFF2-40B4-BE49-F238E27FC236}">
+                <a16:creationId xmlns:a16="http://schemas.microsoft.com/office/drawing/2014/main" id="{D9D5941A-D9F5-22E7-7E85-0D04C2B214EC}"/>
+              </a:ext>
+            </a:extLst>
+          </p:cNvPr>
+          <p:cNvSpPr/>
+          <p:nvPr/>
+        </p:nvSpPr>
+        <p:spPr>
+          <a:xfrm>
+            <a:off x="8609885" y="1418373"/>
+            <a:ext cx="2538552" cy="3306028"/>
+          </a:xfrm>
+          <a:prstGeom prst="rect">
+            <a:avLst/>
+          </a:prstGeom>
+          <a:noFill/>
+          <a:ln w="28575">
+            <a:solidFill>
+              <a:srgbClr val="E0700D"/>
+            </a:solidFill>
+          </a:ln>
+        </p:spPr>
+        <p:style>
+          <a:lnRef idx="2">
+            <a:schemeClr val="accent1">
+              <a:shade val="15000"/>
+            </a:schemeClr>
+          </a:lnRef>
+          <a:fillRef idx="1">
+            <a:schemeClr val="accent1"/>
+          </a:fillRef>
+          <a:effectRef idx="0">
+            <a:schemeClr val="accent1"/>
+          </a:effectRef>
+          <a:fontRef idx="minor">
+            <a:schemeClr val="lt1"/>
+          </a:fontRef>
+        </p:style>
+        <p:txBody>
+          <a:bodyPr rtlCol="0" anchor="ctr"/>
+          <a:lstStyle/>
+          <a:p>
+            <a:pPr algn="ctr"/>
+            <a:endParaRPr lang="en-US"/>
+          </a:p>
+        </p:txBody>
+      </p:sp>
+      <p:sp>
+        <p:nvSpPr>
+          <p:cNvPr id="16" name="CuadroTexto 15">
+            <a:extLst>
+              <a:ext uri="{FF2B5EF4-FFF2-40B4-BE49-F238E27FC236}">
+                <a16:creationId xmlns:a16="http://schemas.microsoft.com/office/drawing/2014/main" id="{4A6C8490-F65B-32C9-44E8-9A1A1A1B1769}"/>
+              </a:ext>
+            </a:extLst>
+          </p:cNvPr>
+          <p:cNvSpPr txBox="1"/>
+          <p:nvPr/>
+        </p:nvSpPr>
+        <p:spPr>
+          <a:xfrm>
+            <a:off x="8861472" y="2101891"/>
+            <a:ext cx="2033313" cy="1938992"/>
+          </a:xfrm>
+          <a:prstGeom prst="rect">
+            <a:avLst/>
+          </a:prstGeom>
+          <a:noFill/>
+        </p:spPr>
+        <p:txBody>
+          <a:bodyPr wrap="none" rtlCol="0">
+            <a:spAutoFit/>
+          </a:bodyPr>
+          <a:lstStyle/>
+          <a:p>
+            <a:pPr algn="ctr"/>
+            <a:r>
+              <a:rPr lang="es-ES" sz="2000" dirty="0"/>
+              <a:t>Single ring</a:t>
+            </a:r>
+          </a:p>
+          <a:p>
+            <a:pPr algn="ctr"/>
+            <a:r>
+              <a:rPr lang="es-ES" sz="2000" dirty="0"/>
+              <a:t>transfer </a:t>
+            </a:r>
+            <a:r>
+              <a:rPr lang="es-ES" sz="2000" dirty="0" err="1"/>
+              <a:t>functions</a:t>
+            </a:r>
+            <a:endParaRPr lang="es-ES" sz="2000" dirty="0"/>
+          </a:p>
+          <a:p>
+            <a:pPr algn="ctr"/>
+            <a:endParaRPr lang="es-ES" sz="2000" dirty="0"/>
+          </a:p>
+          <a:p>
+            <a:pPr algn="ctr"/>
+            <a:r>
+              <a:rPr lang="es-ES" sz="2000" dirty="0"/>
+              <a:t>Linear </a:t>
+            </a:r>
+            <a:r>
+              <a:rPr lang="es-ES" sz="2000" dirty="0" err="1"/>
+              <a:t>units</a:t>
+            </a:r>
+            <a:endParaRPr lang="es-ES" sz="2000" dirty="0"/>
+          </a:p>
+          <a:p>
+            <a:pPr algn="ctr"/>
+            <a:endParaRPr lang="es-ES" sz="2000" dirty="0"/>
+          </a:p>
+          <a:p>
+            <a:pPr algn="ctr"/>
+            <a:r>
+              <a:rPr lang="es-ES" sz="2000" dirty="0" err="1"/>
+              <a:t>alpha</a:t>
+            </a:r>
+            <a:r>
+              <a:rPr lang="es-ES" sz="2000" dirty="0"/>
+              <a:t>=2 dB/cm</a:t>
+            </a:r>
+            <a:endParaRPr lang="en-US" sz="2000" dirty="0"/>
+          </a:p>
+        </p:txBody>
+      </p:sp>
+      <p:pic>
+        <p:nvPicPr>
+          <p:cNvPr id="17" name="Gráfico 16">
+            <a:extLst>
+              <a:ext uri="{FF2B5EF4-FFF2-40B4-BE49-F238E27FC236}">
+                <a16:creationId xmlns:a16="http://schemas.microsoft.com/office/drawing/2014/main" id="{16D15CB1-2EB9-A3F2-8611-C524CCD1CAE2}"/>
+              </a:ext>
+            </a:extLst>
+          </p:cNvPr>
+          <p:cNvPicPr>
+            <a:picLocks noChangeAspect="1"/>
+          </p:cNvPicPr>
+          <p:nvPr/>
+        </p:nvPicPr>
+        <p:blipFill>
+          <a:blip r:embed="rId2">
+            <a:extLst>
+              <a:ext uri="{96DAC541-7B7A-43D3-8B79-37D633B846F1}">
+                <asvg:svgBlip xmlns:asvg="http://schemas.microsoft.com/office/drawing/2016/SVG/main" r:embed="rId3"/>
+              </a:ext>
+            </a:extLst>
+          </a:blip>
+          <a:stretch>
+            <a:fillRect/>
+          </a:stretch>
+        </p:blipFill>
+        <p:spPr>
+          <a:xfrm>
+            <a:off x="5045006" y="6356057"/>
+            <a:ext cx="6409575" cy="363174"/>
+          </a:xfrm>
+          <a:prstGeom prst="rect">
+            <a:avLst/>
+          </a:prstGeom>
+        </p:spPr>
+      </p:pic>
+      <p:sp>
+        <p:nvSpPr>
+          <p:cNvPr id="18" name="object 16">
+            <a:extLst>
+              <a:ext uri="{FF2B5EF4-FFF2-40B4-BE49-F238E27FC236}">
+                <a16:creationId xmlns:a16="http://schemas.microsoft.com/office/drawing/2014/main" id="{989133D6-A9B3-EFEA-2703-51A6BDA0A885}"/>
+              </a:ext>
+            </a:extLst>
+          </p:cNvPr>
+          <p:cNvSpPr txBox="1">
+            <a:spLocks/>
+          </p:cNvSpPr>
+          <p:nvPr/>
+        </p:nvSpPr>
+        <p:spPr>
+          <a:xfrm>
+            <a:off x="685800" y="408883"/>
+            <a:ext cx="10994410" cy="718145"/>
+          </a:xfrm>
+          <a:prstGeom prst="rect">
+            <a:avLst/>
+          </a:prstGeom>
+        </p:spPr>
+        <p:txBody>
+          <a:bodyPr vert="horz" wrap="square" lIns="0" tIns="12700" rIns="0" bIns="0" rtlCol="0">
+            <a:spAutoFit/>
+          </a:bodyPr>
+          <a:lstStyle>
+            <a:lvl1pPr>
+              <a:defRPr sz="2000" b="1" i="0">
+                <a:solidFill>
+                  <a:schemeClr val="tx1"/>
+                </a:solidFill>
+                <a:latin typeface="Calibri"/>
+                <a:ea typeface="+mj-ea"/>
+                <a:cs typeface="Calibri"/>
+              </a:defRPr>
+            </a:lvl1pPr>
+          </a:lstStyle>
+          <a:p>
+            <a:pPr marL="12700">
+              <a:spcBef>
+                <a:spcPts val="100"/>
+              </a:spcBef>
+            </a:pPr>
+            <a:r>
+              <a:rPr lang="en-US" sz="2500" kern="0" dirty="0"/>
+              <a:t>Learning outcome #6b – E</a:t>
+            </a:r>
+            <a:r>
+              <a:rPr lang="en-US" sz="2500" dirty="0"/>
+              <a:t>ffect of loss</a:t>
+            </a:r>
+            <a:endParaRPr lang="en-US" sz="2500" kern="0" dirty="0"/>
+          </a:p>
+          <a:p>
+            <a:pPr marL="12700">
+              <a:spcBef>
+                <a:spcPts val="100"/>
+              </a:spcBef>
+            </a:pPr>
+            <a:r>
+              <a:rPr lang="en-US" b="0" kern="0" spc="-5" dirty="0">
+                <a:latin typeface="+mj-lt"/>
+                <a:cs typeface="Lucida Sans"/>
+              </a:rPr>
+              <a:t>Change losses value between 0 and 8 </a:t>
+            </a:r>
+            <a:r>
+              <a:rPr lang="en-US" b="0" kern="0" spc="-5" dirty="0">
+                <a:solidFill>
+                  <a:srgbClr val="FF0000"/>
+                </a:solidFill>
+                <a:latin typeface="+mj-lt"/>
+                <a:cs typeface="Lucida Sans"/>
+              </a:rPr>
+              <a:t>dB/cm </a:t>
+            </a:r>
+            <a:r>
+              <a:rPr lang="en-US" b="0" kern="0" spc="-5" dirty="0">
+                <a:latin typeface="+mj-lt"/>
+                <a:cs typeface="Lucida Sans"/>
+              </a:rPr>
+              <a:t>in steps of 1</a:t>
+            </a:r>
+          </a:p>
+        </p:txBody>
+      </p:sp>
+    </p:spTree>
+    <p:extLst>
+      <p:ext uri="{BB962C8B-B14F-4D97-AF65-F5344CB8AC3E}">
+        <p14:creationId xmlns:p14="http://schemas.microsoft.com/office/powerpoint/2010/main" val="1461196698"/>
+      </p:ext>
+    </p:extLst>
+  </p:cSld>
+  <p:clrMapOvr>
+    <a:masterClrMapping/>
+  </p:clrMapOvr>
+</p:sld>
+</file>
+
+<file path=ppt/slides/slide11.xml><?xml version="1.0" encoding="utf-8"?>
+<p:sld xmlns:a="http://schemas.openxmlformats.org/drawingml/2006/main" xmlns:r="http://schemas.openxmlformats.org/officeDocument/2006/relationships" xmlns:p="http://schemas.openxmlformats.org/presentationml/2006/main">
+  <p:cSld>
+    <p:spTree>
+      <p:nvGrpSpPr>
+        <p:cNvPr id="1" name=""/>
+        <p:cNvGrpSpPr/>
+        <p:nvPr/>
+      </p:nvGrpSpPr>
+      <p:grpSpPr>
+        <a:xfrm>
+          <a:off x="0" y="0"/>
+          <a:ext cx="0" cy="0"/>
+          <a:chOff x="0" y="0"/>
+          <a:chExt cx="0" cy="0"/>
+        </a:xfrm>
+      </p:grpSpPr>
+      <p:sp>
+        <p:nvSpPr>
+          <p:cNvPr id="3" name="object 3"/>
+          <p:cNvSpPr/>
+          <p:nvPr/>
+        </p:nvSpPr>
+        <p:spPr>
+          <a:xfrm>
+            <a:off x="3945635" y="2636520"/>
+            <a:ext cx="8246363" cy="1584959"/>
+          </a:xfrm>
+          <a:prstGeom prst="rect">
+            <a:avLst/>
+          </a:prstGeom>
+          <a:blipFill>
+            <a:blip r:embed="rId2" cstate="print"/>
+            <a:stretch>
+              <a:fillRect/>
+            </a:stretch>
+          </a:blipFill>
+        </p:spPr>
+        <p:txBody>
+          <a:bodyPr wrap="square" lIns="0" tIns="0" rIns="0" bIns="0" rtlCol="0"/>
+          <a:lstStyle/>
+          <a:p>
+            <a:endParaRPr/>
+          </a:p>
+        </p:txBody>
+      </p:sp>
+      <p:sp>
+        <p:nvSpPr>
+          <p:cNvPr id="4" name="object 4"/>
+          <p:cNvSpPr txBox="1">
+            <a:spLocks noGrp="1"/>
+          </p:cNvSpPr>
+          <p:nvPr>
+            <p:ph type="title"/>
+          </p:nvPr>
+        </p:nvSpPr>
+        <p:spPr>
+          <a:xfrm>
+            <a:off x="4513326" y="3165729"/>
+            <a:ext cx="2233295" cy="513715"/>
+          </a:xfrm>
+          <a:prstGeom prst="rect">
+            <a:avLst/>
+          </a:prstGeom>
+        </p:spPr>
+        <p:txBody>
+          <a:bodyPr vert="horz" wrap="square" lIns="0" tIns="13335" rIns="0" bIns="0" rtlCol="0">
+            <a:spAutoFit/>
+          </a:bodyPr>
+          <a:lstStyle/>
+          <a:p>
+            <a:pPr marL="12700">
+              <a:lnSpc>
+                <a:spcPct val="100000"/>
+              </a:lnSpc>
+              <a:spcBef>
+                <a:spcPts val="105"/>
+              </a:spcBef>
+            </a:pPr>
+            <a:r>
+              <a:rPr sz="3200" b="1" spc="-5" dirty="0">
+                <a:solidFill>
+                  <a:srgbClr val="FFFFFF"/>
+                </a:solidFill>
+                <a:latin typeface="Lucida Sans"/>
+                <a:cs typeface="Lucida Sans"/>
+              </a:rPr>
+              <a:t>Thank</a:t>
+            </a:r>
+            <a:r>
+              <a:rPr sz="3200" b="1" spc="-55" dirty="0">
+                <a:solidFill>
+                  <a:srgbClr val="FFFFFF"/>
+                </a:solidFill>
+                <a:latin typeface="Lucida Sans"/>
+                <a:cs typeface="Lucida Sans"/>
+              </a:rPr>
+              <a:t> </a:t>
+            </a:r>
+            <a:r>
+              <a:rPr sz="3200" b="1" dirty="0">
+                <a:solidFill>
+                  <a:srgbClr val="FFFFFF"/>
+                </a:solidFill>
+                <a:latin typeface="Lucida Sans"/>
+                <a:cs typeface="Lucida Sans"/>
+              </a:rPr>
+              <a:t>you</a:t>
+            </a:r>
+            <a:endParaRPr sz="3200">
+              <a:latin typeface="Lucida Sans"/>
+              <a:cs typeface="Lucida Sans"/>
+            </a:endParaRPr>
+          </a:p>
+        </p:txBody>
+      </p:sp>
+      <p:sp>
+        <p:nvSpPr>
+          <p:cNvPr id="5" name="Marcador de número de diapositiva 4">
+            <a:extLst>
+              <a:ext uri="{FF2B5EF4-FFF2-40B4-BE49-F238E27FC236}">
+                <a16:creationId xmlns:a16="http://schemas.microsoft.com/office/drawing/2014/main" id="{B052DA19-AD24-7D24-2AE9-51F8F5A7F5E0}"/>
+              </a:ext>
+            </a:extLst>
+          </p:cNvPr>
+          <p:cNvSpPr>
+            <a:spLocks noGrp="1"/>
+          </p:cNvSpPr>
+          <p:nvPr>
+            <p:ph type="sldNum" sz="quarter" idx="7"/>
+          </p:nvPr>
+        </p:nvSpPr>
+        <p:spPr/>
+        <p:txBody>
+          <a:bodyPr/>
+          <a:lstStyle/>
+          <a:p>
+            <a:fld id="{B6F15528-21DE-4FAA-801E-634DDDAF4B2B}" type="slidenum">
+              <a:rPr lang="es-ES" smtClean="0"/>
+              <a:t>11</a:t>
+            </a:fld>
+            <a:endParaRPr lang="es-ES"/>
+          </a:p>
+        </p:txBody>
+      </p:sp>
+    </p:spTree>
+  </p:cSld>
+  <p:clrMapOvr>
+    <a:masterClrMapping/>
+  </p:clrMapOvr>
+</p:sld>
+</file>
+
 <file path=ppt/slides/slide2.xml><?xml version="1.0" encoding="utf-8"?>
 <p:sld xmlns:a="http://schemas.openxmlformats.org/drawingml/2006/main" xmlns:r="http://schemas.openxmlformats.org/officeDocument/2006/relationships" xmlns:p="http://schemas.openxmlformats.org/presentationml/2006/main">
   <p:cSld>
@@ -6316,109 +7282,38 @@
       </p:grpSpPr>
       <p:sp>
         <p:nvSpPr>
-          <p:cNvPr id="3" name="object 3"/>
-          <p:cNvSpPr/>
-          <p:nvPr/>
-        </p:nvSpPr>
-        <p:spPr>
-          <a:xfrm>
-            <a:off x="3945635" y="2636520"/>
-            <a:ext cx="8246363" cy="1584959"/>
-          </a:xfrm>
-          <a:prstGeom prst="rect">
-            <a:avLst/>
-          </a:prstGeom>
-          <a:blipFill>
-            <a:blip r:embed="rId2" cstate="print"/>
-            <a:stretch>
-              <a:fillRect/>
-            </a:stretch>
-          </a:blipFill>
-        </p:spPr>
-        <p:txBody>
-          <a:bodyPr wrap="square" lIns="0" tIns="0" rIns="0" bIns="0" rtlCol="0"/>
-          <a:lstStyle/>
-          <a:p>
-            <a:endParaRPr/>
-          </a:p>
-        </p:txBody>
-      </p:sp>
-      <p:sp>
-        <p:nvSpPr>
-          <p:cNvPr id="4" name="object 4"/>
-          <p:cNvSpPr txBox="1">
+          <p:cNvPr id="5" name="Marcador de pie de página 4">
+            <a:extLst>
+              <a:ext uri="{FF2B5EF4-FFF2-40B4-BE49-F238E27FC236}">
+                <a16:creationId xmlns:a16="http://schemas.microsoft.com/office/drawing/2014/main" id="{F929251A-3DC4-36B2-3FB3-341378364BED}"/>
+              </a:ext>
+            </a:extLst>
+          </p:cNvPr>
+          <p:cNvSpPr>
             <a:spLocks noGrp="1"/>
           </p:cNvSpPr>
           <p:nvPr>
-            <p:ph type="title"/>
+            <p:ph type="ftr" sz="quarter" idx="5"/>
           </p:nvPr>
         </p:nvSpPr>
-        <p:spPr>
-          <a:xfrm>
-            <a:off x="4513326" y="3165729"/>
-            <a:ext cx="2233295" cy="513715"/>
-          </a:xfrm>
-          <a:prstGeom prst="rect">
-            <a:avLst/>
-          </a:prstGeom>
-        </p:spPr>
-        <p:txBody>
-          <a:bodyPr vert="horz" wrap="square" lIns="0" tIns="13335" rIns="0" bIns="0" rtlCol="0">
-            <a:spAutoFit/>
-          </a:bodyPr>
+        <p:spPr/>
+        <p:txBody>
+          <a:bodyPr/>
           <a:lstStyle/>
           <a:p>
-            <a:pPr marL="12700">
-              <a:lnSpc>
-                <a:spcPct val="100000"/>
-              </a:lnSpc>
-              <a:spcBef>
-                <a:spcPts val="105"/>
-              </a:spcBef>
-            </a:pPr>
-            <a:r>
-              <a:rPr sz="3200" b="1" spc="-5" dirty="0">
-                <a:solidFill>
-                  <a:srgbClr val="FFFFFF"/>
-                </a:solidFill>
-                <a:latin typeface="Lucida Sans"/>
-                <a:cs typeface="Lucida Sans"/>
-              </a:rPr>
-              <a:t>Thank</a:t>
-            </a:r>
-            <a:r>
-              <a:rPr sz="3200" b="1" spc="-55" dirty="0">
-                <a:solidFill>
-                  <a:srgbClr val="FFFFFF"/>
-                </a:solidFill>
-                <a:latin typeface="Lucida Sans"/>
-                <a:cs typeface="Lucida Sans"/>
-              </a:rPr>
-              <a:t> </a:t>
-            </a:r>
-            <a:r>
-              <a:rPr sz="3200" b="1" dirty="0">
-                <a:solidFill>
-                  <a:srgbClr val="FFFFFF"/>
-                </a:solidFill>
-                <a:latin typeface="Lucida Sans"/>
-                <a:cs typeface="Lucida Sans"/>
-              </a:rPr>
-              <a:t>you</a:t>
-            </a:r>
-            <a:endParaRPr sz="3200">
-              <a:latin typeface="Lucida Sans"/>
-              <a:cs typeface="Lucida Sans"/>
-            </a:endParaRPr>
-          </a:p>
-        </p:txBody>
-      </p:sp>
-      <p:sp>
-        <p:nvSpPr>
-          <p:cNvPr id="5" name="Marcador de número de diapositiva 4">
+            <a:r>
+              <a:rPr lang="en-US"/>
+              <a:t>LAB 0.3. CIRCUITS &amp; COMPACT MODELS</a:t>
+            </a:r>
+          </a:p>
+        </p:txBody>
+      </p:sp>
+      <p:sp>
+        <p:nvSpPr>
+          <p:cNvPr id="6" name="Marcador de número de diapositiva 5">
             <a:extLst>
               <a:ext uri="{FF2B5EF4-FFF2-40B4-BE49-F238E27FC236}">
-                <a16:creationId xmlns:a16="http://schemas.microsoft.com/office/drawing/2014/main" id="{B052DA19-AD24-7D24-2AE9-51F8F5A7F5E0}"/>
+                <a16:creationId xmlns:a16="http://schemas.microsoft.com/office/drawing/2014/main" id="{8E91A34C-DF76-97CF-3EFD-546BC64A2184}"/>
               </a:ext>
             </a:extLst>
           </p:cNvPr>
@@ -6434,15 +7329,1903 @@
           <a:bodyPr/>
           <a:lstStyle/>
           <a:p>
-            <a:fld id="{B6F15528-21DE-4FAA-801E-634DDDAF4B2B}" type="slidenum">
-              <a:rPr lang="es-ES" smtClean="0"/>
+            <a:fld id="{C2F52289-4012-4053-9770-FE82CEB9514F}" type="slidenum">
+              <a:rPr lang="en-US" smtClean="0"/>
+              <a:pPr/>
               <a:t>7</a:t>
             </a:fld>
-            <a:endParaRPr lang="es-ES"/>
+            <a:endParaRPr lang="en-US" dirty="0"/>
+          </a:p>
+        </p:txBody>
+      </p:sp>
+      <p:sp>
+        <p:nvSpPr>
+          <p:cNvPr id="8" name="CuadroTexto 7">
+            <a:extLst>
+              <a:ext uri="{FF2B5EF4-FFF2-40B4-BE49-F238E27FC236}">
+                <a16:creationId xmlns:a16="http://schemas.microsoft.com/office/drawing/2014/main" id="{D9601617-351E-AE1A-1F4D-693F2EA59361}"/>
+              </a:ext>
+            </a:extLst>
+          </p:cNvPr>
+          <p:cNvSpPr txBox="1"/>
+          <p:nvPr/>
+        </p:nvSpPr>
+        <p:spPr>
+          <a:xfrm>
+            <a:off x="611029" y="4860335"/>
+            <a:ext cx="11199530" cy="1200329"/>
+          </a:xfrm>
+          <a:prstGeom prst="rect">
+            <a:avLst/>
+          </a:prstGeom>
+          <a:solidFill>
+            <a:schemeClr val="bg1">
+              <a:lumMod val="95000"/>
+            </a:schemeClr>
+          </a:solidFill>
+          <a:ln w="28575">
+            <a:solidFill>
+              <a:srgbClr val="E0700D"/>
+            </a:solidFill>
+          </a:ln>
+        </p:spPr>
+        <p:txBody>
+          <a:bodyPr wrap="square" rtlCol="0">
+            <a:spAutoFit/>
+          </a:bodyPr>
+          <a:lstStyle/>
+          <a:p>
+            <a:pPr algn="just"/>
+            <a:r>
+              <a:rPr lang="en-US" sz="1200" dirty="0">
+                <a:latin typeface="Arial" panose="020B0604020202020204" pitchFamily="34" charset="0"/>
+                <a:cs typeface="Arial" panose="020B0604020202020204" pitchFamily="34" charset="0"/>
+              </a:rPr>
+              <a:t>Comment results: describer the transfer functions. which is the FSR? How is it related to the ring perimeter? </a:t>
+            </a:r>
+          </a:p>
+          <a:p>
+            <a:pPr algn="just"/>
+            <a:endParaRPr lang="en-US" sz="1200" dirty="0">
+              <a:latin typeface="Arial" panose="020B0604020202020204" pitchFamily="34" charset="0"/>
+              <a:cs typeface="Arial" panose="020B0604020202020204" pitchFamily="34" charset="0"/>
+            </a:endParaRPr>
+          </a:p>
+          <a:p>
+            <a:pPr algn="just"/>
+            <a:endParaRPr lang="en-US" sz="1200" dirty="0">
+              <a:latin typeface="Arial" panose="020B0604020202020204" pitchFamily="34" charset="0"/>
+              <a:cs typeface="Arial" panose="020B0604020202020204" pitchFamily="34" charset="0"/>
+            </a:endParaRPr>
+          </a:p>
+          <a:p>
+            <a:pPr algn="just"/>
+            <a:r>
+              <a:rPr lang="en-US" sz="1200" dirty="0">
+                <a:latin typeface="Arial" panose="020B0604020202020204" pitchFamily="34" charset="0"/>
+                <a:cs typeface="Arial" panose="020B0604020202020204" pitchFamily="34" charset="0"/>
+              </a:rPr>
+              <a:t>Show a numeric calculation of the FSR and length difference matching the results in the graph,</a:t>
+            </a:r>
+          </a:p>
+          <a:p>
+            <a:pPr algn="just"/>
+            <a:endParaRPr lang="en-US" sz="1200" dirty="0">
+              <a:latin typeface="Arial" panose="020B0604020202020204" pitchFamily="34" charset="0"/>
+              <a:cs typeface="Arial" panose="020B0604020202020204" pitchFamily="34" charset="0"/>
+            </a:endParaRPr>
+          </a:p>
+          <a:p>
+            <a:pPr algn="just"/>
+            <a:endParaRPr lang="en-US" sz="1200" dirty="0">
+              <a:latin typeface="Arial" panose="020B0604020202020204" pitchFamily="34" charset="0"/>
+              <a:cs typeface="Arial" panose="020B0604020202020204" pitchFamily="34" charset="0"/>
+            </a:endParaRPr>
+          </a:p>
+        </p:txBody>
+      </p:sp>
+      <p:sp>
+        <p:nvSpPr>
+          <p:cNvPr id="11" name="Rectángulo 10">
+            <a:extLst>
+              <a:ext uri="{FF2B5EF4-FFF2-40B4-BE49-F238E27FC236}">
+                <a16:creationId xmlns:a16="http://schemas.microsoft.com/office/drawing/2014/main" id="{B811A5F9-C0B5-716C-70FB-9472E1BC2CD3}"/>
+              </a:ext>
+            </a:extLst>
+          </p:cNvPr>
+          <p:cNvSpPr/>
+          <p:nvPr/>
+        </p:nvSpPr>
+        <p:spPr>
+          <a:xfrm>
+            <a:off x="611030" y="1418373"/>
+            <a:ext cx="3810000" cy="3306028"/>
+          </a:xfrm>
+          <a:prstGeom prst="rect">
+            <a:avLst/>
+          </a:prstGeom>
+          <a:noFill/>
+          <a:ln w="28575">
+            <a:solidFill>
+              <a:srgbClr val="E0700D"/>
+            </a:solidFill>
+          </a:ln>
+        </p:spPr>
+        <p:style>
+          <a:lnRef idx="2">
+            <a:schemeClr val="accent1">
+              <a:shade val="15000"/>
+            </a:schemeClr>
+          </a:lnRef>
+          <a:fillRef idx="1">
+            <a:schemeClr val="accent1"/>
+          </a:fillRef>
+          <a:effectRef idx="0">
+            <a:schemeClr val="accent1"/>
+          </a:effectRef>
+          <a:fontRef idx="minor">
+            <a:schemeClr val="lt1"/>
+          </a:fontRef>
+        </p:style>
+        <p:txBody>
+          <a:bodyPr rtlCol="0" anchor="ctr"/>
+          <a:lstStyle/>
+          <a:p>
+            <a:pPr algn="ctr"/>
+            <a:endParaRPr lang="en-US"/>
+          </a:p>
+        </p:txBody>
+      </p:sp>
+      <p:sp>
+        <p:nvSpPr>
+          <p:cNvPr id="12" name="CuadroTexto 11">
+            <a:extLst>
+              <a:ext uri="{FF2B5EF4-FFF2-40B4-BE49-F238E27FC236}">
+                <a16:creationId xmlns:a16="http://schemas.microsoft.com/office/drawing/2014/main" id="{1D17C364-5A66-F740-B152-8B41A2A4EF26}"/>
+              </a:ext>
+            </a:extLst>
+          </p:cNvPr>
+          <p:cNvSpPr txBox="1"/>
+          <p:nvPr/>
+        </p:nvSpPr>
+        <p:spPr>
+          <a:xfrm>
+            <a:off x="5536543" y="2494307"/>
+            <a:ext cx="2033313" cy="1323439"/>
+          </a:xfrm>
+          <a:prstGeom prst="rect">
+            <a:avLst/>
+          </a:prstGeom>
+          <a:noFill/>
+        </p:spPr>
+        <p:txBody>
+          <a:bodyPr wrap="none" rtlCol="0">
+            <a:spAutoFit/>
+          </a:bodyPr>
+          <a:lstStyle/>
+          <a:p>
+            <a:pPr algn="ctr"/>
+            <a:r>
+              <a:rPr lang="es-ES" sz="2000" dirty="0"/>
+              <a:t>Single ring</a:t>
+            </a:r>
+          </a:p>
+          <a:p>
+            <a:pPr algn="ctr"/>
+            <a:r>
+              <a:rPr lang="es-ES" sz="2000" dirty="0"/>
+              <a:t>transfer </a:t>
+            </a:r>
+            <a:r>
+              <a:rPr lang="es-ES" sz="2000" dirty="0" err="1"/>
+              <a:t>functions</a:t>
+            </a:r>
+            <a:endParaRPr lang="es-ES" sz="2000" dirty="0"/>
+          </a:p>
+          <a:p>
+            <a:pPr algn="ctr"/>
+            <a:endParaRPr lang="es-ES" sz="2000" dirty="0"/>
+          </a:p>
+          <a:p>
+            <a:pPr algn="ctr"/>
+            <a:r>
+              <a:rPr lang="es-ES" sz="2000" dirty="0" err="1"/>
+              <a:t>Logaritmic</a:t>
+            </a:r>
+            <a:r>
+              <a:rPr lang="es-ES" sz="2000" dirty="0"/>
+              <a:t> </a:t>
+            </a:r>
+            <a:r>
+              <a:rPr lang="es-ES" sz="2000" dirty="0" err="1"/>
+              <a:t>units</a:t>
+            </a:r>
+            <a:endParaRPr lang="en-US" sz="2000" dirty="0"/>
+          </a:p>
+        </p:txBody>
+      </p:sp>
+      <p:sp>
+        <p:nvSpPr>
+          <p:cNvPr id="3" name="Rectángulo 2">
+            <a:extLst>
+              <a:ext uri="{FF2B5EF4-FFF2-40B4-BE49-F238E27FC236}">
+                <a16:creationId xmlns:a16="http://schemas.microsoft.com/office/drawing/2014/main" id="{5FB43DF1-4048-35BF-BD58-4BF2A341D2EF}"/>
+              </a:ext>
+            </a:extLst>
+          </p:cNvPr>
+          <p:cNvSpPr/>
+          <p:nvPr/>
+        </p:nvSpPr>
+        <p:spPr>
+          <a:xfrm>
+            <a:off x="8610601" y="1418373"/>
+            <a:ext cx="3199959" cy="3306028"/>
+          </a:xfrm>
+          <a:prstGeom prst="rect">
+            <a:avLst/>
+          </a:prstGeom>
+          <a:solidFill>
+            <a:schemeClr val="bg1">
+              <a:lumMod val="95000"/>
+            </a:schemeClr>
+          </a:solidFill>
+          <a:ln w="28575">
+            <a:solidFill>
+              <a:srgbClr val="E0700D"/>
+            </a:solidFill>
+          </a:ln>
+        </p:spPr>
+        <p:style>
+          <a:lnRef idx="2">
+            <a:schemeClr val="accent1">
+              <a:shade val="15000"/>
+            </a:schemeClr>
+          </a:lnRef>
+          <a:fillRef idx="1">
+            <a:schemeClr val="accent1"/>
+          </a:fillRef>
+          <a:effectRef idx="0">
+            <a:schemeClr val="accent1"/>
+          </a:effectRef>
+          <a:fontRef idx="minor">
+            <a:schemeClr val="lt1"/>
+          </a:fontRef>
+        </p:style>
+        <p:txBody>
+          <a:bodyPr rtlCol="0" anchor="t" anchorCtr="0"/>
+          <a:lstStyle/>
+          <a:p>
+            <a:pPr algn="just"/>
+            <a:r>
+              <a:rPr lang="en-US" sz="1200" b="1" dirty="0">
+                <a:solidFill>
+                  <a:schemeClr val="tx1"/>
+                </a:solidFill>
+                <a:latin typeface="Arial" panose="020B0604020202020204" pitchFamily="34" charset="0"/>
+                <a:cs typeface="Arial" panose="020B0604020202020204" pitchFamily="34" charset="0"/>
+              </a:rPr>
+              <a:t>Hints:</a:t>
+            </a:r>
+          </a:p>
+          <a:p>
+            <a:pPr algn="just"/>
+            <a:endParaRPr lang="en-US" sz="1200" b="1" dirty="0">
+              <a:solidFill>
+                <a:schemeClr val="tx1"/>
+              </a:solidFill>
+              <a:latin typeface="Arial" panose="020B0604020202020204" pitchFamily="34" charset="0"/>
+              <a:cs typeface="Arial" panose="020B0604020202020204" pitchFamily="34" charset="0"/>
+            </a:endParaRPr>
+          </a:p>
+          <a:p>
+            <a:pPr algn="just"/>
+            <a:r>
+              <a:rPr lang="en-US" sz="1200" dirty="0">
+                <a:solidFill>
+                  <a:schemeClr val="tx1"/>
+                </a:solidFill>
+                <a:latin typeface="Arial" panose="020B0604020202020204" pitchFamily="34" charset="0"/>
+                <a:cs typeface="Arial" panose="020B0604020202020204" pitchFamily="34" charset="0"/>
+              </a:rPr>
+              <a:t>None </a:t>
+            </a:r>
+            <a:r>
+              <a:rPr lang="en-US" sz="1200" dirty="0">
+                <a:solidFill>
+                  <a:schemeClr val="tx1"/>
+                </a:solidFill>
+                <a:latin typeface="Arial" panose="020B0604020202020204" pitchFamily="34" charset="0"/>
+                <a:cs typeface="Arial" panose="020B0604020202020204" pitchFamily="34" charset="0"/>
+                <a:sym typeface="Wingdings" pitchFamily="2" charset="2"/>
+              </a:rPr>
+              <a:t> </a:t>
+            </a:r>
+            <a:endParaRPr lang="en-US" sz="1200" dirty="0">
+              <a:solidFill>
+                <a:schemeClr val="tx1"/>
+              </a:solidFill>
+              <a:latin typeface="Arial" panose="020B0604020202020204" pitchFamily="34" charset="0"/>
+              <a:cs typeface="Arial" panose="020B0604020202020204" pitchFamily="34" charset="0"/>
+            </a:endParaRPr>
+          </a:p>
+          <a:p>
+            <a:pPr algn="just"/>
+            <a:endParaRPr lang="en-US" sz="1200" dirty="0">
+              <a:solidFill>
+                <a:schemeClr val="tx1"/>
+              </a:solidFill>
+              <a:latin typeface="Arial" panose="020B0604020202020204" pitchFamily="34" charset="0"/>
+              <a:cs typeface="Arial" panose="020B0604020202020204" pitchFamily="34" charset="0"/>
+            </a:endParaRPr>
+          </a:p>
+          <a:p>
+            <a:pPr algn="just"/>
+            <a:endParaRPr lang="en-US" sz="1200" dirty="0">
+              <a:solidFill>
+                <a:schemeClr val="tx1"/>
+              </a:solidFill>
+              <a:latin typeface="Arial" panose="020B0604020202020204" pitchFamily="34" charset="0"/>
+              <a:cs typeface="Arial" panose="020B0604020202020204" pitchFamily="34" charset="0"/>
+            </a:endParaRPr>
+          </a:p>
+        </p:txBody>
+      </p:sp>
+      <p:sp>
+        <p:nvSpPr>
+          <p:cNvPr id="14" name="Rectángulo 13">
+            <a:extLst>
+              <a:ext uri="{FF2B5EF4-FFF2-40B4-BE49-F238E27FC236}">
+                <a16:creationId xmlns:a16="http://schemas.microsoft.com/office/drawing/2014/main" id="{6AA857E7-5C39-DCE1-10B5-40300FCF4B26}"/>
+              </a:ext>
+            </a:extLst>
+          </p:cNvPr>
+          <p:cNvSpPr/>
+          <p:nvPr/>
+        </p:nvSpPr>
+        <p:spPr>
+          <a:xfrm>
+            <a:off x="4648200" y="1418373"/>
+            <a:ext cx="3810000" cy="3306028"/>
+          </a:xfrm>
+          <a:prstGeom prst="rect">
+            <a:avLst/>
+          </a:prstGeom>
+          <a:noFill/>
+          <a:ln w="28575">
+            <a:solidFill>
+              <a:srgbClr val="E0700D"/>
+            </a:solidFill>
+          </a:ln>
+        </p:spPr>
+        <p:style>
+          <a:lnRef idx="2">
+            <a:schemeClr val="accent1">
+              <a:shade val="15000"/>
+            </a:schemeClr>
+          </a:lnRef>
+          <a:fillRef idx="1">
+            <a:schemeClr val="accent1"/>
+          </a:fillRef>
+          <a:effectRef idx="0">
+            <a:schemeClr val="accent1"/>
+          </a:effectRef>
+          <a:fontRef idx="minor">
+            <a:schemeClr val="lt1"/>
+          </a:fontRef>
+        </p:style>
+        <p:txBody>
+          <a:bodyPr rtlCol="0" anchor="ctr"/>
+          <a:lstStyle/>
+          <a:p>
+            <a:pPr algn="ctr"/>
+            <a:endParaRPr lang="en-US"/>
+          </a:p>
+        </p:txBody>
+      </p:sp>
+      <p:sp>
+        <p:nvSpPr>
+          <p:cNvPr id="15" name="CuadroTexto 14">
+            <a:extLst>
+              <a:ext uri="{FF2B5EF4-FFF2-40B4-BE49-F238E27FC236}">
+                <a16:creationId xmlns:a16="http://schemas.microsoft.com/office/drawing/2014/main" id="{54CF28B4-1346-F41D-2CD8-EA104ABBFB98}"/>
+              </a:ext>
+            </a:extLst>
+          </p:cNvPr>
+          <p:cNvSpPr txBox="1"/>
+          <p:nvPr/>
+        </p:nvSpPr>
+        <p:spPr>
+          <a:xfrm>
+            <a:off x="1499379" y="2478160"/>
+            <a:ext cx="2033313" cy="1323439"/>
+          </a:xfrm>
+          <a:prstGeom prst="rect">
+            <a:avLst/>
+          </a:prstGeom>
+          <a:noFill/>
+        </p:spPr>
+        <p:txBody>
+          <a:bodyPr wrap="none" rtlCol="0">
+            <a:spAutoFit/>
+          </a:bodyPr>
+          <a:lstStyle/>
+          <a:p>
+            <a:pPr algn="ctr"/>
+            <a:r>
+              <a:rPr lang="es-ES" sz="2000" dirty="0"/>
+              <a:t>Single ring</a:t>
+            </a:r>
+          </a:p>
+          <a:p>
+            <a:pPr algn="ctr"/>
+            <a:r>
+              <a:rPr lang="es-ES" sz="2000" dirty="0"/>
+              <a:t>transfer </a:t>
+            </a:r>
+            <a:r>
+              <a:rPr lang="es-ES" sz="2000" dirty="0" err="1"/>
+              <a:t>functions</a:t>
+            </a:r>
+            <a:endParaRPr lang="es-ES" sz="2000" dirty="0"/>
+          </a:p>
+          <a:p>
+            <a:pPr algn="ctr"/>
+            <a:endParaRPr lang="es-ES" sz="2000" dirty="0"/>
+          </a:p>
+          <a:p>
+            <a:pPr algn="ctr"/>
+            <a:r>
+              <a:rPr lang="es-ES" sz="2000" dirty="0"/>
+              <a:t>Linear </a:t>
+            </a:r>
+            <a:r>
+              <a:rPr lang="es-ES" sz="2000" dirty="0" err="1"/>
+              <a:t>units</a:t>
+            </a:r>
+            <a:endParaRPr lang="en-US" sz="2000" dirty="0"/>
+          </a:p>
+        </p:txBody>
+      </p:sp>
+      <p:pic>
+        <p:nvPicPr>
+          <p:cNvPr id="9" name="Gráfico 8">
+            <a:extLst>
+              <a:ext uri="{FF2B5EF4-FFF2-40B4-BE49-F238E27FC236}">
+                <a16:creationId xmlns:a16="http://schemas.microsoft.com/office/drawing/2014/main" id="{83C716FC-7070-6DA5-E116-195D4CD9BDB4}"/>
+              </a:ext>
+            </a:extLst>
+          </p:cNvPr>
+          <p:cNvPicPr>
+            <a:picLocks noChangeAspect="1"/>
+          </p:cNvPicPr>
+          <p:nvPr/>
+        </p:nvPicPr>
+        <p:blipFill>
+          <a:blip r:embed="rId2">
+            <a:extLst>
+              <a:ext uri="{96DAC541-7B7A-43D3-8B79-37D633B846F1}">
+                <asvg:svgBlip xmlns:asvg="http://schemas.microsoft.com/office/drawing/2016/SVG/main" r:embed="rId3"/>
+              </a:ext>
+            </a:extLst>
+          </a:blip>
+          <a:stretch>
+            <a:fillRect/>
+          </a:stretch>
+        </p:blipFill>
+        <p:spPr>
+          <a:xfrm>
+            <a:off x="5045006" y="6356057"/>
+            <a:ext cx="6409575" cy="363174"/>
+          </a:xfrm>
+          <a:prstGeom prst="rect">
+            <a:avLst/>
+          </a:prstGeom>
+        </p:spPr>
+      </p:pic>
+      <p:sp>
+        <p:nvSpPr>
+          <p:cNvPr id="10" name="object 16">
+            <a:extLst>
+              <a:ext uri="{FF2B5EF4-FFF2-40B4-BE49-F238E27FC236}">
+                <a16:creationId xmlns:a16="http://schemas.microsoft.com/office/drawing/2014/main" id="{C319E249-48A9-70AD-7ACE-23CF9ABF6137}"/>
+              </a:ext>
+            </a:extLst>
+          </p:cNvPr>
+          <p:cNvSpPr txBox="1">
+            <a:spLocks/>
+          </p:cNvSpPr>
+          <p:nvPr/>
+        </p:nvSpPr>
+        <p:spPr>
+          <a:xfrm>
+            <a:off x="685800" y="408883"/>
+            <a:ext cx="10994410" cy="718145"/>
+          </a:xfrm>
+          <a:prstGeom prst="rect">
+            <a:avLst/>
+          </a:prstGeom>
+        </p:spPr>
+        <p:txBody>
+          <a:bodyPr vert="horz" wrap="square" lIns="0" tIns="12700" rIns="0" bIns="0" rtlCol="0">
+            <a:spAutoFit/>
+          </a:bodyPr>
+          <a:lstStyle>
+            <a:lvl1pPr>
+              <a:defRPr sz="2000" b="1" i="0">
+                <a:solidFill>
+                  <a:schemeClr val="tx1"/>
+                </a:solidFill>
+                <a:latin typeface="Calibri"/>
+                <a:ea typeface="+mj-ea"/>
+                <a:cs typeface="Calibri"/>
+              </a:defRPr>
+            </a:lvl1pPr>
+          </a:lstStyle>
+          <a:p>
+            <a:pPr marL="12700">
+              <a:spcBef>
+                <a:spcPts val="100"/>
+              </a:spcBef>
+            </a:pPr>
+            <a:r>
+              <a:rPr lang="en-US" sz="2500" kern="0" dirty="0"/>
+              <a:t>Learning outcome #4 – Ring Resonator</a:t>
+            </a:r>
+          </a:p>
+          <a:p>
+            <a:pPr marL="12700">
+              <a:spcBef>
+                <a:spcPts val="100"/>
+              </a:spcBef>
+            </a:pPr>
+            <a:r>
+              <a:rPr lang="en-US" b="0" kern="0" spc="-5" dirty="0">
+                <a:latin typeface="+mj-lt"/>
+                <a:cs typeface="Lucida Sans"/>
+              </a:rPr>
+              <a:t>Single ring resonator – most simple case Constant coupler K (no wavelength variation)</a:t>
+            </a:r>
           </a:p>
         </p:txBody>
       </p:sp>
     </p:spTree>
+    <p:extLst>
+      <p:ext uri="{BB962C8B-B14F-4D97-AF65-F5344CB8AC3E}">
+        <p14:creationId xmlns:p14="http://schemas.microsoft.com/office/powerpoint/2010/main" val="543184549"/>
+      </p:ext>
+    </p:extLst>
+  </p:cSld>
+  <p:clrMapOvr>
+    <a:masterClrMapping/>
+  </p:clrMapOvr>
+</p:sld>
+</file>
+
+<file path=ppt/slides/slide8.xml><?xml version="1.0" encoding="utf-8"?>
+<p:sld xmlns:a="http://schemas.openxmlformats.org/drawingml/2006/main" xmlns:r="http://schemas.openxmlformats.org/officeDocument/2006/relationships" xmlns:p="http://schemas.openxmlformats.org/presentationml/2006/main">
+  <p:cSld>
+    <p:spTree>
+      <p:nvGrpSpPr>
+        <p:cNvPr id="1" name="">
+          <a:extLst>
+            <a:ext uri="{FF2B5EF4-FFF2-40B4-BE49-F238E27FC236}">
+              <a16:creationId xmlns:a16="http://schemas.microsoft.com/office/drawing/2014/main" id="{960CA2DF-810F-7BDA-CFF3-0CFEE760301A}"/>
+            </a:ext>
+          </a:extLst>
+        </p:cNvPr>
+        <p:cNvGrpSpPr/>
+        <p:nvPr/>
+      </p:nvGrpSpPr>
+      <p:grpSpPr>
+        <a:xfrm>
+          <a:off x="0" y="0"/>
+          <a:ext cx="0" cy="0"/>
+          <a:chOff x="0" y="0"/>
+          <a:chExt cx="0" cy="0"/>
+        </a:xfrm>
+      </p:grpSpPr>
+      <p:sp>
+        <p:nvSpPr>
+          <p:cNvPr id="5" name="Marcador de pie de página 4">
+            <a:extLst>
+              <a:ext uri="{FF2B5EF4-FFF2-40B4-BE49-F238E27FC236}">
+                <a16:creationId xmlns:a16="http://schemas.microsoft.com/office/drawing/2014/main" id="{4915C280-A84A-95DA-94D2-FE062C8ED61F}"/>
+              </a:ext>
+            </a:extLst>
+          </p:cNvPr>
+          <p:cNvSpPr>
+            <a:spLocks noGrp="1"/>
+          </p:cNvSpPr>
+          <p:nvPr>
+            <p:ph type="ftr" sz="quarter" idx="5"/>
+          </p:nvPr>
+        </p:nvSpPr>
+        <p:spPr/>
+        <p:txBody>
+          <a:bodyPr/>
+          <a:lstStyle/>
+          <a:p>
+            <a:r>
+              <a:rPr lang="en-US"/>
+              <a:t>LAB 0.3. CIRCUITS &amp; COMPACT MODELS</a:t>
+            </a:r>
+          </a:p>
+        </p:txBody>
+      </p:sp>
+      <p:sp>
+        <p:nvSpPr>
+          <p:cNvPr id="6" name="Marcador de número de diapositiva 5">
+            <a:extLst>
+              <a:ext uri="{FF2B5EF4-FFF2-40B4-BE49-F238E27FC236}">
+                <a16:creationId xmlns:a16="http://schemas.microsoft.com/office/drawing/2014/main" id="{E919F9EF-02D5-71FC-C2BC-F8EC5B26723E}"/>
+              </a:ext>
+            </a:extLst>
+          </p:cNvPr>
+          <p:cNvSpPr>
+            <a:spLocks noGrp="1"/>
+          </p:cNvSpPr>
+          <p:nvPr>
+            <p:ph type="sldNum" sz="quarter" idx="7"/>
+          </p:nvPr>
+        </p:nvSpPr>
+        <p:spPr/>
+        <p:txBody>
+          <a:bodyPr/>
+          <a:lstStyle/>
+          <a:p>
+            <a:fld id="{C2F52289-4012-4053-9770-FE82CEB9514F}" type="slidenum">
+              <a:rPr lang="en-US" smtClean="0"/>
+              <a:pPr/>
+              <a:t>8</a:t>
+            </a:fld>
+            <a:endParaRPr lang="en-US" dirty="0"/>
+          </a:p>
+        </p:txBody>
+      </p:sp>
+      <p:sp>
+        <p:nvSpPr>
+          <p:cNvPr id="8" name="CuadroTexto 7">
+            <a:extLst>
+              <a:ext uri="{FF2B5EF4-FFF2-40B4-BE49-F238E27FC236}">
+                <a16:creationId xmlns:a16="http://schemas.microsoft.com/office/drawing/2014/main" id="{3BC6D2B9-07F5-E2FA-C9AD-029B63B098DA}"/>
+              </a:ext>
+            </a:extLst>
+          </p:cNvPr>
+          <p:cNvSpPr txBox="1"/>
+          <p:nvPr/>
+        </p:nvSpPr>
+        <p:spPr>
+          <a:xfrm>
+            <a:off x="611029" y="4860335"/>
+            <a:ext cx="11199530" cy="1200329"/>
+          </a:xfrm>
+          <a:prstGeom prst="rect">
+            <a:avLst/>
+          </a:prstGeom>
+          <a:solidFill>
+            <a:schemeClr val="bg1">
+              <a:lumMod val="95000"/>
+            </a:schemeClr>
+          </a:solidFill>
+          <a:ln w="28575">
+            <a:solidFill>
+              <a:srgbClr val="E0700D"/>
+            </a:solidFill>
+          </a:ln>
+        </p:spPr>
+        <p:txBody>
+          <a:bodyPr wrap="square" rtlCol="0">
+            <a:spAutoFit/>
+          </a:bodyPr>
+          <a:lstStyle/>
+          <a:p>
+            <a:pPr algn="just"/>
+            <a:r>
+              <a:rPr lang="en-US" sz="1200" dirty="0">
+                <a:latin typeface="Arial" panose="020B0604020202020204" pitchFamily="34" charset="0"/>
+                <a:cs typeface="Arial" panose="020B0604020202020204" pitchFamily="34" charset="0"/>
+              </a:rPr>
+              <a:t>Comment results: describer the transfer function. How’s the dependence on the coupler coefficient? Calculate the Extinction Ratio. How would you achieve critical coupling for the latter design? Justify your answers.</a:t>
+            </a:r>
+          </a:p>
+          <a:p>
+            <a:pPr algn="just"/>
+            <a:endParaRPr lang="en-US" sz="1200" dirty="0">
+              <a:latin typeface="Arial" panose="020B0604020202020204" pitchFamily="34" charset="0"/>
+              <a:cs typeface="Arial" panose="020B0604020202020204" pitchFamily="34" charset="0"/>
+            </a:endParaRPr>
+          </a:p>
+          <a:p>
+            <a:pPr algn="just"/>
+            <a:endParaRPr lang="en-US" sz="1200" dirty="0">
+              <a:latin typeface="Arial" panose="020B0604020202020204" pitchFamily="34" charset="0"/>
+              <a:cs typeface="Arial" panose="020B0604020202020204" pitchFamily="34" charset="0"/>
+            </a:endParaRPr>
+          </a:p>
+          <a:p>
+            <a:pPr algn="just"/>
+            <a:endParaRPr lang="en-US" sz="1200" dirty="0">
+              <a:latin typeface="Arial" panose="020B0604020202020204" pitchFamily="34" charset="0"/>
+              <a:cs typeface="Arial" panose="020B0604020202020204" pitchFamily="34" charset="0"/>
+            </a:endParaRPr>
+          </a:p>
+          <a:p>
+            <a:pPr algn="just"/>
+            <a:r>
+              <a:rPr lang="en-US" sz="1200" dirty="0">
+                <a:latin typeface="Arial" panose="020B0604020202020204" pitchFamily="34" charset="0"/>
+                <a:cs typeface="Arial" panose="020B0604020202020204" pitchFamily="34" charset="0"/>
+              </a:rPr>
+              <a:t> </a:t>
+            </a:r>
+          </a:p>
+        </p:txBody>
+      </p:sp>
+      <p:sp>
+        <p:nvSpPr>
+          <p:cNvPr id="3" name="Rectángulo 2">
+            <a:extLst>
+              <a:ext uri="{FF2B5EF4-FFF2-40B4-BE49-F238E27FC236}">
+                <a16:creationId xmlns:a16="http://schemas.microsoft.com/office/drawing/2014/main" id="{E54DA3AC-DFE0-BB51-7C71-7CD9087359D0}"/>
+              </a:ext>
+            </a:extLst>
+          </p:cNvPr>
+          <p:cNvSpPr/>
+          <p:nvPr/>
+        </p:nvSpPr>
+        <p:spPr>
+          <a:xfrm>
+            <a:off x="8610601" y="1418373"/>
+            <a:ext cx="3199959" cy="3306028"/>
+          </a:xfrm>
+          <a:prstGeom prst="rect">
+            <a:avLst/>
+          </a:prstGeom>
+          <a:solidFill>
+            <a:schemeClr val="bg1">
+              <a:lumMod val="95000"/>
+            </a:schemeClr>
+          </a:solidFill>
+          <a:ln w="28575">
+            <a:solidFill>
+              <a:srgbClr val="E0700D"/>
+            </a:solidFill>
+          </a:ln>
+        </p:spPr>
+        <p:style>
+          <a:lnRef idx="2">
+            <a:schemeClr val="accent1">
+              <a:shade val="15000"/>
+            </a:schemeClr>
+          </a:lnRef>
+          <a:fillRef idx="1">
+            <a:schemeClr val="accent1"/>
+          </a:fillRef>
+          <a:effectRef idx="0">
+            <a:schemeClr val="accent1"/>
+          </a:effectRef>
+          <a:fontRef idx="minor">
+            <a:schemeClr val="lt1"/>
+          </a:fontRef>
+        </p:style>
+        <p:txBody>
+          <a:bodyPr rtlCol="0" anchor="t" anchorCtr="0"/>
+          <a:lstStyle/>
+          <a:p>
+            <a:pPr algn="just"/>
+            <a:r>
+              <a:rPr lang="en-US" sz="1200" b="1" dirty="0">
+                <a:solidFill>
+                  <a:schemeClr val="tx1"/>
+                </a:solidFill>
+                <a:latin typeface="Arial" panose="020B0604020202020204" pitchFamily="34" charset="0"/>
+                <a:cs typeface="Arial" panose="020B0604020202020204" pitchFamily="34" charset="0"/>
+              </a:rPr>
+              <a:t>Hints:</a:t>
+            </a:r>
+            <a:endParaRPr lang="en-US" sz="1200" dirty="0">
+              <a:solidFill>
+                <a:schemeClr val="tx1"/>
+              </a:solidFill>
+              <a:latin typeface="Arial" panose="020B0604020202020204" pitchFamily="34" charset="0"/>
+              <a:cs typeface="Arial" panose="020B0604020202020204" pitchFamily="34" charset="0"/>
+            </a:endParaRPr>
+          </a:p>
+          <a:p>
+            <a:pPr algn="just"/>
+            <a:endParaRPr lang="en-US" sz="1200" dirty="0">
+              <a:solidFill>
+                <a:schemeClr val="tx1"/>
+              </a:solidFill>
+              <a:latin typeface="Arial" panose="020B0604020202020204" pitchFamily="34" charset="0"/>
+              <a:cs typeface="Arial" panose="020B0604020202020204" pitchFamily="34" charset="0"/>
+            </a:endParaRPr>
+          </a:p>
+          <a:p>
+            <a:pPr algn="just"/>
+            <a:r>
+              <a:rPr lang="en-US" sz="1200" dirty="0">
+                <a:solidFill>
+                  <a:schemeClr val="tx1"/>
+                </a:solidFill>
+                <a:latin typeface="Arial" panose="020B0604020202020204" pitchFamily="34" charset="0"/>
+                <a:cs typeface="Arial" panose="020B0604020202020204" pitchFamily="34" charset="0"/>
+              </a:rPr>
+              <a:t>Design the perimeter for a FSR = 15 nm. </a:t>
+            </a:r>
+          </a:p>
+          <a:p>
+            <a:pPr algn="just"/>
+            <a:endParaRPr lang="en-US" sz="1200" dirty="0">
+              <a:solidFill>
+                <a:schemeClr val="tx1"/>
+              </a:solidFill>
+              <a:latin typeface="Arial" panose="020B0604020202020204" pitchFamily="34" charset="0"/>
+              <a:cs typeface="Arial" panose="020B0604020202020204" pitchFamily="34" charset="0"/>
+            </a:endParaRPr>
+          </a:p>
+          <a:p>
+            <a:pPr algn="just"/>
+            <a:r>
+              <a:rPr lang="en-US" sz="1200" dirty="0">
+                <a:solidFill>
+                  <a:schemeClr val="tx1"/>
+                </a:solidFill>
+                <a:latin typeface="Arial" panose="020B0604020202020204" pitchFamily="34" charset="0"/>
+                <a:cs typeface="Arial" panose="020B0604020202020204" pitchFamily="34" charset="0"/>
+              </a:rPr>
+              <a:t>Use equations given in class that relate FSR and perimeter.</a:t>
+            </a:r>
+          </a:p>
+          <a:p>
+            <a:pPr algn="just"/>
+            <a:endParaRPr lang="en-US" sz="1200" dirty="0">
+              <a:solidFill>
+                <a:schemeClr val="tx1"/>
+              </a:solidFill>
+              <a:latin typeface="Arial" panose="020B0604020202020204" pitchFamily="34" charset="0"/>
+              <a:cs typeface="Arial" panose="020B0604020202020204" pitchFamily="34" charset="0"/>
+            </a:endParaRPr>
+          </a:p>
+          <a:p>
+            <a:pPr algn="just"/>
+            <a:endParaRPr lang="en-US" sz="1200" dirty="0">
+              <a:solidFill>
+                <a:schemeClr val="tx1"/>
+              </a:solidFill>
+              <a:latin typeface="Arial" panose="020B0604020202020204" pitchFamily="34" charset="0"/>
+              <a:cs typeface="Arial" panose="020B0604020202020204" pitchFamily="34" charset="0"/>
+            </a:endParaRPr>
+          </a:p>
+          <a:p>
+            <a:pPr algn="just"/>
+            <a:endParaRPr lang="en-US" sz="1200" dirty="0">
+              <a:solidFill>
+                <a:schemeClr val="tx1"/>
+              </a:solidFill>
+              <a:latin typeface="Arial" panose="020B0604020202020204" pitchFamily="34" charset="0"/>
+              <a:cs typeface="Arial" panose="020B0604020202020204" pitchFamily="34" charset="0"/>
+            </a:endParaRPr>
+          </a:p>
+        </p:txBody>
+      </p:sp>
+      <p:sp>
+        <p:nvSpPr>
+          <p:cNvPr id="10" name="Rectángulo 9">
+            <a:extLst>
+              <a:ext uri="{FF2B5EF4-FFF2-40B4-BE49-F238E27FC236}">
+                <a16:creationId xmlns:a16="http://schemas.microsoft.com/office/drawing/2014/main" id="{82011495-88D4-8787-6CB7-704897D84CF9}"/>
+              </a:ext>
+            </a:extLst>
+          </p:cNvPr>
+          <p:cNvSpPr/>
+          <p:nvPr/>
+        </p:nvSpPr>
+        <p:spPr>
+          <a:xfrm>
+            <a:off x="611030" y="1418373"/>
+            <a:ext cx="3810000" cy="3306028"/>
+          </a:xfrm>
+          <a:prstGeom prst="rect">
+            <a:avLst/>
+          </a:prstGeom>
+          <a:noFill/>
+          <a:ln w="28575">
+            <a:solidFill>
+              <a:srgbClr val="E0700D"/>
+            </a:solidFill>
+          </a:ln>
+        </p:spPr>
+        <p:style>
+          <a:lnRef idx="2">
+            <a:schemeClr val="accent1">
+              <a:shade val="15000"/>
+            </a:schemeClr>
+          </a:lnRef>
+          <a:fillRef idx="1">
+            <a:schemeClr val="accent1"/>
+          </a:fillRef>
+          <a:effectRef idx="0">
+            <a:schemeClr val="accent1"/>
+          </a:effectRef>
+          <a:fontRef idx="minor">
+            <a:schemeClr val="lt1"/>
+          </a:fontRef>
+        </p:style>
+        <p:txBody>
+          <a:bodyPr rtlCol="0" anchor="ctr"/>
+          <a:lstStyle/>
+          <a:p>
+            <a:pPr algn="ctr"/>
+            <a:endParaRPr lang="en-US"/>
+          </a:p>
+        </p:txBody>
+      </p:sp>
+      <p:sp>
+        <p:nvSpPr>
+          <p:cNvPr id="12" name="CuadroTexto 11">
+            <a:extLst>
+              <a:ext uri="{FF2B5EF4-FFF2-40B4-BE49-F238E27FC236}">
+                <a16:creationId xmlns:a16="http://schemas.microsoft.com/office/drawing/2014/main" id="{3BD35A6E-6540-9761-4128-0E43122290D4}"/>
+              </a:ext>
+            </a:extLst>
+          </p:cNvPr>
+          <p:cNvSpPr txBox="1"/>
+          <p:nvPr/>
+        </p:nvSpPr>
+        <p:spPr>
+          <a:xfrm>
+            <a:off x="5536543" y="2494307"/>
+            <a:ext cx="2033313" cy="1323439"/>
+          </a:xfrm>
+          <a:prstGeom prst="rect">
+            <a:avLst/>
+          </a:prstGeom>
+          <a:noFill/>
+        </p:spPr>
+        <p:txBody>
+          <a:bodyPr wrap="none" rtlCol="0">
+            <a:spAutoFit/>
+          </a:bodyPr>
+          <a:lstStyle/>
+          <a:p>
+            <a:pPr algn="ctr"/>
+            <a:r>
+              <a:rPr lang="es-ES" sz="2000" dirty="0"/>
+              <a:t>Single ring</a:t>
+            </a:r>
+          </a:p>
+          <a:p>
+            <a:pPr algn="ctr"/>
+            <a:r>
+              <a:rPr lang="es-ES" sz="2000" dirty="0"/>
+              <a:t>transfer </a:t>
+            </a:r>
+            <a:r>
+              <a:rPr lang="es-ES" sz="2000" dirty="0" err="1"/>
+              <a:t>functions</a:t>
+            </a:r>
+            <a:endParaRPr lang="es-ES" sz="2000" dirty="0"/>
+          </a:p>
+          <a:p>
+            <a:pPr algn="ctr"/>
+            <a:endParaRPr lang="es-ES" sz="2000" dirty="0"/>
+          </a:p>
+          <a:p>
+            <a:pPr algn="ctr"/>
+            <a:r>
+              <a:rPr lang="es-ES" sz="2000" dirty="0" err="1"/>
+              <a:t>Logaritmic</a:t>
+            </a:r>
+            <a:r>
+              <a:rPr lang="es-ES" sz="2000" dirty="0"/>
+              <a:t> </a:t>
+            </a:r>
+            <a:r>
+              <a:rPr lang="es-ES" sz="2000" dirty="0" err="1"/>
+              <a:t>units</a:t>
+            </a:r>
+            <a:endParaRPr lang="en-US" sz="2000" dirty="0"/>
+          </a:p>
+        </p:txBody>
+      </p:sp>
+      <p:sp>
+        <p:nvSpPr>
+          <p:cNvPr id="13" name="Rectángulo 12">
+            <a:extLst>
+              <a:ext uri="{FF2B5EF4-FFF2-40B4-BE49-F238E27FC236}">
+                <a16:creationId xmlns:a16="http://schemas.microsoft.com/office/drawing/2014/main" id="{03798D61-1E16-8473-BDCE-1D97F95EF7BE}"/>
+              </a:ext>
+            </a:extLst>
+          </p:cNvPr>
+          <p:cNvSpPr/>
+          <p:nvPr/>
+        </p:nvSpPr>
+        <p:spPr>
+          <a:xfrm>
+            <a:off x="4648200" y="1418373"/>
+            <a:ext cx="3810000" cy="3306028"/>
+          </a:xfrm>
+          <a:prstGeom prst="rect">
+            <a:avLst/>
+          </a:prstGeom>
+          <a:noFill/>
+          <a:ln w="28575">
+            <a:solidFill>
+              <a:srgbClr val="E0700D"/>
+            </a:solidFill>
+          </a:ln>
+        </p:spPr>
+        <p:style>
+          <a:lnRef idx="2">
+            <a:schemeClr val="accent1">
+              <a:shade val="15000"/>
+            </a:schemeClr>
+          </a:lnRef>
+          <a:fillRef idx="1">
+            <a:schemeClr val="accent1"/>
+          </a:fillRef>
+          <a:effectRef idx="0">
+            <a:schemeClr val="accent1"/>
+          </a:effectRef>
+          <a:fontRef idx="minor">
+            <a:schemeClr val="lt1"/>
+          </a:fontRef>
+        </p:style>
+        <p:txBody>
+          <a:bodyPr rtlCol="0" anchor="ctr"/>
+          <a:lstStyle/>
+          <a:p>
+            <a:pPr algn="ctr"/>
+            <a:endParaRPr lang="en-US"/>
+          </a:p>
+        </p:txBody>
+      </p:sp>
+      <p:sp>
+        <p:nvSpPr>
+          <p:cNvPr id="16" name="CuadroTexto 15">
+            <a:extLst>
+              <a:ext uri="{FF2B5EF4-FFF2-40B4-BE49-F238E27FC236}">
+                <a16:creationId xmlns:a16="http://schemas.microsoft.com/office/drawing/2014/main" id="{B49B3613-E785-3FCB-DA8D-2B43EB104C5D}"/>
+              </a:ext>
+            </a:extLst>
+          </p:cNvPr>
+          <p:cNvSpPr txBox="1"/>
+          <p:nvPr/>
+        </p:nvSpPr>
+        <p:spPr>
+          <a:xfrm>
+            <a:off x="1499379" y="2478160"/>
+            <a:ext cx="2033313" cy="1323439"/>
+          </a:xfrm>
+          <a:prstGeom prst="rect">
+            <a:avLst/>
+          </a:prstGeom>
+          <a:noFill/>
+        </p:spPr>
+        <p:txBody>
+          <a:bodyPr wrap="none" rtlCol="0">
+            <a:spAutoFit/>
+          </a:bodyPr>
+          <a:lstStyle/>
+          <a:p>
+            <a:pPr algn="ctr"/>
+            <a:r>
+              <a:rPr lang="es-ES" sz="2000" dirty="0"/>
+              <a:t>Single ring</a:t>
+            </a:r>
+          </a:p>
+          <a:p>
+            <a:pPr algn="ctr"/>
+            <a:r>
+              <a:rPr lang="es-ES" sz="2000" dirty="0"/>
+              <a:t>transfer </a:t>
+            </a:r>
+            <a:r>
+              <a:rPr lang="es-ES" sz="2000" dirty="0" err="1"/>
+              <a:t>functions</a:t>
+            </a:r>
+            <a:endParaRPr lang="es-ES" sz="2000" dirty="0"/>
+          </a:p>
+          <a:p>
+            <a:pPr algn="ctr"/>
+            <a:endParaRPr lang="es-ES" sz="2000" dirty="0"/>
+          </a:p>
+          <a:p>
+            <a:pPr algn="ctr"/>
+            <a:r>
+              <a:rPr lang="es-ES" sz="2000" dirty="0"/>
+              <a:t>Linear </a:t>
+            </a:r>
+            <a:r>
+              <a:rPr lang="es-ES" sz="2000" dirty="0" err="1"/>
+              <a:t>units</a:t>
+            </a:r>
+            <a:endParaRPr lang="en-US" sz="2000" dirty="0"/>
+          </a:p>
+        </p:txBody>
+      </p:sp>
+      <p:pic>
+        <p:nvPicPr>
+          <p:cNvPr id="11" name="Gráfico 10">
+            <a:extLst>
+              <a:ext uri="{FF2B5EF4-FFF2-40B4-BE49-F238E27FC236}">
+                <a16:creationId xmlns:a16="http://schemas.microsoft.com/office/drawing/2014/main" id="{64B3EEA8-5B6A-F628-0B9C-42450CEE9BE1}"/>
+              </a:ext>
+            </a:extLst>
+          </p:cNvPr>
+          <p:cNvPicPr>
+            <a:picLocks noChangeAspect="1"/>
+          </p:cNvPicPr>
+          <p:nvPr/>
+        </p:nvPicPr>
+        <p:blipFill>
+          <a:blip r:embed="rId2">
+            <a:extLst>
+              <a:ext uri="{96DAC541-7B7A-43D3-8B79-37D633B846F1}">
+                <asvg:svgBlip xmlns:asvg="http://schemas.microsoft.com/office/drawing/2016/SVG/main" r:embed="rId3"/>
+              </a:ext>
+            </a:extLst>
+          </a:blip>
+          <a:stretch>
+            <a:fillRect/>
+          </a:stretch>
+        </p:blipFill>
+        <p:spPr>
+          <a:xfrm>
+            <a:off x="5045006" y="6356057"/>
+            <a:ext cx="6409575" cy="363174"/>
+          </a:xfrm>
+          <a:prstGeom prst="rect">
+            <a:avLst/>
+          </a:prstGeom>
+        </p:spPr>
+      </p:pic>
+      <p:sp>
+        <p:nvSpPr>
+          <p:cNvPr id="14" name="object 16">
+            <a:extLst>
+              <a:ext uri="{FF2B5EF4-FFF2-40B4-BE49-F238E27FC236}">
+                <a16:creationId xmlns:a16="http://schemas.microsoft.com/office/drawing/2014/main" id="{4E9E05B5-9445-DD50-60E9-03B04ED264D4}"/>
+              </a:ext>
+            </a:extLst>
+          </p:cNvPr>
+          <p:cNvSpPr txBox="1">
+            <a:spLocks/>
+          </p:cNvSpPr>
+          <p:nvPr/>
+        </p:nvSpPr>
+        <p:spPr>
+          <a:xfrm>
+            <a:off x="685800" y="408883"/>
+            <a:ext cx="10994410" cy="718145"/>
+          </a:xfrm>
+          <a:prstGeom prst="rect">
+            <a:avLst/>
+          </a:prstGeom>
+        </p:spPr>
+        <p:txBody>
+          <a:bodyPr vert="horz" wrap="square" lIns="0" tIns="12700" rIns="0" bIns="0" rtlCol="0">
+            <a:spAutoFit/>
+          </a:bodyPr>
+          <a:lstStyle>
+            <a:lvl1pPr>
+              <a:defRPr sz="2000" b="1" i="0">
+                <a:solidFill>
+                  <a:schemeClr val="tx1"/>
+                </a:solidFill>
+                <a:latin typeface="Calibri"/>
+                <a:ea typeface="+mj-ea"/>
+                <a:cs typeface="Calibri"/>
+              </a:defRPr>
+            </a:lvl1pPr>
+          </a:lstStyle>
+          <a:p>
+            <a:pPr marL="12700">
+              <a:spcBef>
+                <a:spcPts val="100"/>
+              </a:spcBef>
+            </a:pPr>
+            <a:r>
+              <a:rPr lang="en-US" sz="2500" kern="0" dirty="0"/>
+              <a:t>Learning outcome #5 – Ring resonator design</a:t>
+            </a:r>
+          </a:p>
+          <a:p>
+            <a:pPr marL="12700">
+              <a:spcBef>
+                <a:spcPts val="100"/>
+              </a:spcBef>
+            </a:pPr>
+            <a:r>
+              <a:rPr lang="en-US" b="0" kern="0" spc="-5" dirty="0">
+                <a:latin typeface="+mj-lt"/>
+                <a:cs typeface="Lucida Sans"/>
+              </a:rPr>
+              <a:t>Design the perimeter for a FSR = 15 nm. </a:t>
+            </a:r>
+          </a:p>
+        </p:txBody>
+      </p:sp>
+    </p:spTree>
+    <p:extLst>
+      <p:ext uri="{BB962C8B-B14F-4D97-AF65-F5344CB8AC3E}">
+        <p14:creationId xmlns:p14="http://schemas.microsoft.com/office/powerpoint/2010/main" val="2915989261"/>
+      </p:ext>
+    </p:extLst>
+  </p:cSld>
+  <p:clrMapOvr>
+    <a:masterClrMapping/>
+  </p:clrMapOvr>
+</p:sld>
+</file>
+
+<file path=ppt/slides/slide9.xml><?xml version="1.0" encoding="utf-8"?>
+<p:sld xmlns:a="http://schemas.openxmlformats.org/drawingml/2006/main" xmlns:r="http://schemas.openxmlformats.org/officeDocument/2006/relationships" xmlns:p="http://schemas.openxmlformats.org/presentationml/2006/main">
+  <p:cSld>
+    <p:spTree>
+      <p:nvGrpSpPr>
+        <p:cNvPr id="1" name=""/>
+        <p:cNvGrpSpPr/>
+        <p:nvPr/>
+      </p:nvGrpSpPr>
+      <p:grpSpPr>
+        <a:xfrm>
+          <a:off x="0" y="0"/>
+          <a:ext cx="0" cy="0"/>
+          <a:chOff x="0" y="0"/>
+          <a:chExt cx="0" cy="0"/>
+        </a:xfrm>
+      </p:grpSpPr>
+      <p:sp>
+        <p:nvSpPr>
+          <p:cNvPr id="5" name="Marcador de pie de página 4">
+            <a:extLst>
+              <a:ext uri="{FF2B5EF4-FFF2-40B4-BE49-F238E27FC236}">
+                <a16:creationId xmlns:a16="http://schemas.microsoft.com/office/drawing/2014/main" id="{F929251A-3DC4-36B2-3FB3-341378364BED}"/>
+              </a:ext>
+            </a:extLst>
+          </p:cNvPr>
+          <p:cNvSpPr>
+            <a:spLocks noGrp="1"/>
+          </p:cNvSpPr>
+          <p:nvPr>
+            <p:ph type="ftr" sz="quarter" idx="5"/>
+          </p:nvPr>
+        </p:nvSpPr>
+        <p:spPr/>
+        <p:txBody>
+          <a:bodyPr/>
+          <a:lstStyle/>
+          <a:p>
+            <a:r>
+              <a:rPr lang="en-US"/>
+              <a:t>LAB 0.3. CIRCUITS &amp; COMPACT MODELS</a:t>
+            </a:r>
+          </a:p>
+        </p:txBody>
+      </p:sp>
+      <p:sp>
+        <p:nvSpPr>
+          <p:cNvPr id="6" name="Marcador de número de diapositiva 5">
+            <a:extLst>
+              <a:ext uri="{FF2B5EF4-FFF2-40B4-BE49-F238E27FC236}">
+                <a16:creationId xmlns:a16="http://schemas.microsoft.com/office/drawing/2014/main" id="{8E91A34C-DF76-97CF-3EFD-546BC64A2184}"/>
+              </a:ext>
+            </a:extLst>
+          </p:cNvPr>
+          <p:cNvSpPr>
+            <a:spLocks noGrp="1"/>
+          </p:cNvSpPr>
+          <p:nvPr>
+            <p:ph type="sldNum" sz="quarter" idx="7"/>
+          </p:nvPr>
+        </p:nvSpPr>
+        <p:spPr/>
+        <p:txBody>
+          <a:bodyPr/>
+          <a:lstStyle/>
+          <a:p>
+            <a:fld id="{C2F52289-4012-4053-9770-FE82CEB9514F}" type="slidenum">
+              <a:rPr lang="en-US" smtClean="0"/>
+              <a:pPr/>
+              <a:t>9</a:t>
+            </a:fld>
+            <a:endParaRPr lang="en-US" dirty="0"/>
+          </a:p>
+        </p:txBody>
+      </p:sp>
+      <p:sp>
+        <p:nvSpPr>
+          <p:cNvPr id="8" name="CuadroTexto 7">
+            <a:extLst>
+              <a:ext uri="{FF2B5EF4-FFF2-40B4-BE49-F238E27FC236}">
+                <a16:creationId xmlns:a16="http://schemas.microsoft.com/office/drawing/2014/main" id="{D9601617-351E-AE1A-1F4D-693F2EA59361}"/>
+              </a:ext>
+            </a:extLst>
+          </p:cNvPr>
+          <p:cNvSpPr txBox="1"/>
+          <p:nvPr/>
+        </p:nvSpPr>
+        <p:spPr>
+          <a:xfrm>
+            <a:off x="611029" y="4860335"/>
+            <a:ext cx="11199530" cy="646331"/>
+          </a:xfrm>
+          <a:prstGeom prst="rect">
+            <a:avLst/>
+          </a:prstGeom>
+          <a:solidFill>
+            <a:schemeClr val="bg1">
+              <a:lumMod val="95000"/>
+            </a:schemeClr>
+          </a:solidFill>
+          <a:ln w="28575">
+            <a:solidFill>
+              <a:srgbClr val="E0700D"/>
+            </a:solidFill>
+          </a:ln>
+        </p:spPr>
+        <p:txBody>
+          <a:bodyPr wrap="square" rtlCol="0">
+            <a:spAutoFit/>
+          </a:bodyPr>
+          <a:lstStyle/>
+          <a:p>
+            <a:pPr algn="just"/>
+            <a:r>
+              <a:rPr lang="en-US" sz="1200" dirty="0">
+                <a:latin typeface="Arial" panose="020B0604020202020204" pitchFamily="34" charset="0"/>
+                <a:cs typeface="Arial" panose="020B0604020202020204" pitchFamily="34" charset="0"/>
+              </a:rPr>
+              <a:t>Comment results: Try to classify the resonances, in which case are you close to critical coupling? Why?</a:t>
+            </a:r>
+          </a:p>
+          <a:p>
+            <a:pPr algn="just"/>
+            <a:endParaRPr lang="en-US" sz="1200" dirty="0">
+              <a:latin typeface="Arial" panose="020B0604020202020204" pitchFamily="34" charset="0"/>
+              <a:cs typeface="Arial" panose="020B0604020202020204" pitchFamily="34" charset="0"/>
+            </a:endParaRPr>
+          </a:p>
+          <a:p>
+            <a:pPr algn="just"/>
+            <a:endParaRPr lang="en-US" sz="1200" dirty="0">
+              <a:latin typeface="Arial" panose="020B0604020202020204" pitchFamily="34" charset="0"/>
+              <a:cs typeface="Arial" panose="020B0604020202020204" pitchFamily="34" charset="0"/>
+            </a:endParaRPr>
+          </a:p>
+        </p:txBody>
+      </p:sp>
+      <p:sp>
+        <p:nvSpPr>
+          <p:cNvPr id="11" name="Rectángulo 10">
+            <a:extLst>
+              <a:ext uri="{FF2B5EF4-FFF2-40B4-BE49-F238E27FC236}">
+                <a16:creationId xmlns:a16="http://schemas.microsoft.com/office/drawing/2014/main" id="{B811A5F9-C0B5-716C-70FB-9472E1BC2CD3}"/>
+              </a:ext>
+            </a:extLst>
+          </p:cNvPr>
+          <p:cNvSpPr/>
+          <p:nvPr/>
+        </p:nvSpPr>
+        <p:spPr>
+          <a:xfrm>
+            <a:off x="611030" y="1418373"/>
+            <a:ext cx="2538552" cy="3306028"/>
+          </a:xfrm>
+          <a:prstGeom prst="rect">
+            <a:avLst/>
+          </a:prstGeom>
+          <a:noFill/>
+          <a:ln w="28575">
+            <a:solidFill>
+              <a:srgbClr val="E0700D"/>
+            </a:solidFill>
+          </a:ln>
+        </p:spPr>
+        <p:style>
+          <a:lnRef idx="2">
+            <a:schemeClr val="accent1">
+              <a:shade val="15000"/>
+            </a:schemeClr>
+          </a:lnRef>
+          <a:fillRef idx="1">
+            <a:schemeClr val="accent1"/>
+          </a:fillRef>
+          <a:effectRef idx="0">
+            <a:schemeClr val="accent1"/>
+          </a:effectRef>
+          <a:fontRef idx="minor">
+            <a:schemeClr val="lt1"/>
+          </a:fontRef>
+        </p:style>
+        <p:txBody>
+          <a:bodyPr rtlCol="0" anchor="ctr"/>
+          <a:lstStyle/>
+          <a:p>
+            <a:pPr algn="ctr"/>
+            <a:endParaRPr lang="en-US"/>
+          </a:p>
+        </p:txBody>
+      </p:sp>
+      <p:sp>
+        <p:nvSpPr>
+          <p:cNvPr id="14" name="Rectángulo 13">
+            <a:extLst>
+              <a:ext uri="{FF2B5EF4-FFF2-40B4-BE49-F238E27FC236}">
+                <a16:creationId xmlns:a16="http://schemas.microsoft.com/office/drawing/2014/main" id="{6AA857E7-5C39-DCE1-10B5-40300FCF4B26}"/>
+              </a:ext>
+            </a:extLst>
+          </p:cNvPr>
+          <p:cNvSpPr/>
+          <p:nvPr/>
+        </p:nvSpPr>
+        <p:spPr>
+          <a:xfrm>
+            <a:off x="3277315" y="1419036"/>
+            <a:ext cx="2538552" cy="3306028"/>
+          </a:xfrm>
+          <a:prstGeom prst="rect">
+            <a:avLst/>
+          </a:prstGeom>
+          <a:noFill/>
+          <a:ln w="28575">
+            <a:solidFill>
+              <a:srgbClr val="E0700D"/>
+            </a:solidFill>
+          </a:ln>
+        </p:spPr>
+        <p:style>
+          <a:lnRef idx="2">
+            <a:schemeClr val="accent1">
+              <a:shade val="15000"/>
+            </a:schemeClr>
+          </a:lnRef>
+          <a:fillRef idx="1">
+            <a:schemeClr val="accent1"/>
+          </a:fillRef>
+          <a:effectRef idx="0">
+            <a:schemeClr val="accent1"/>
+          </a:effectRef>
+          <a:fontRef idx="minor">
+            <a:schemeClr val="lt1"/>
+          </a:fontRef>
+        </p:style>
+        <p:txBody>
+          <a:bodyPr rtlCol="0" anchor="ctr"/>
+          <a:lstStyle/>
+          <a:p>
+            <a:pPr algn="ctr"/>
+            <a:endParaRPr lang="en-US"/>
+          </a:p>
+        </p:txBody>
+      </p:sp>
+      <p:sp>
+        <p:nvSpPr>
+          <p:cNvPr id="15" name="CuadroTexto 14">
+            <a:extLst>
+              <a:ext uri="{FF2B5EF4-FFF2-40B4-BE49-F238E27FC236}">
+                <a16:creationId xmlns:a16="http://schemas.microsoft.com/office/drawing/2014/main" id="{54CF28B4-1346-F41D-2CD8-EA104ABBFB98}"/>
+              </a:ext>
+            </a:extLst>
+          </p:cNvPr>
+          <p:cNvSpPr txBox="1"/>
+          <p:nvPr/>
+        </p:nvSpPr>
+        <p:spPr>
+          <a:xfrm>
+            <a:off x="863650" y="2101891"/>
+            <a:ext cx="2033313" cy="1938992"/>
+          </a:xfrm>
+          <a:prstGeom prst="rect">
+            <a:avLst/>
+          </a:prstGeom>
+          <a:noFill/>
+        </p:spPr>
+        <p:txBody>
+          <a:bodyPr wrap="none" rtlCol="0">
+            <a:spAutoFit/>
+          </a:bodyPr>
+          <a:lstStyle/>
+          <a:p>
+            <a:pPr algn="ctr"/>
+            <a:r>
+              <a:rPr lang="es-ES" sz="2000" dirty="0"/>
+              <a:t>Single ring</a:t>
+            </a:r>
+          </a:p>
+          <a:p>
+            <a:pPr algn="ctr"/>
+            <a:r>
+              <a:rPr lang="es-ES" sz="2000" dirty="0"/>
+              <a:t>transfer </a:t>
+            </a:r>
+            <a:r>
+              <a:rPr lang="es-ES" sz="2000" dirty="0" err="1"/>
+              <a:t>functions</a:t>
+            </a:r>
+            <a:endParaRPr lang="es-ES" sz="2000" dirty="0"/>
+          </a:p>
+          <a:p>
+            <a:pPr algn="ctr"/>
+            <a:endParaRPr lang="es-ES" sz="2000" dirty="0"/>
+          </a:p>
+          <a:p>
+            <a:pPr algn="ctr"/>
+            <a:r>
+              <a:rPr lang="es-ES" sz="2000" dirty="0"/>
+              <a:t>Linear </a:t>
+            </a:r>
+            <a:r>
+              <a:rPr lang="es-ES" sz="2000" dirty="0" err="1"/>
+              <a:t>units</a:t>
+            </a:r>
+            <a:endParaRPr lang="es-ES" sz="2000" dirty="0"/>
+          </a:p>
+          <a:p>
+            <a:pPr algn="ctr"/>
+            <a:endParaRPr lang="es-ES" sz="2000" dirty="0"/>
+          </a:p>
+          <a:p>
+            <a:pPr algn="ctr"/>
+            <a:r>
+              <a:rPr lang="es-ES" sz="2000" dirty="0"/>
+              <a:t>K=</a:t>
+            </a:r>
+            <a:endParaRPr lang="en-US" sz="2000" dirty="0"/>
+          </a:p>
+        </p:txBody>
+      </p:sp>
+      <p:sp>
+        <p:nvSpPr>
+          <p:cNvPr id="9" name="Rectángulo 8">
+            <a:extLst>
+              <a:ext uri="{FF2B5EF4-FFF2-40B4-BE49-F238E27FC236}">
+                <a16:creationId xmlns:a16="http://schemas.microsoft.com/office/drawing/2014/main" id="{11F0F5FC-B571-59FC-7890-3105A6A843BB}"/>
+              </a:ext>
+            </a:extLst>
+          </p:cNvPr>
+          <p:cNvSpPr/>
+          <p:nvPr/>
+        </p:nvSpPr>
+        <p:spPr>
+          <a:xfrm>
+            <a:off x="5943600" y="1418373"/>
+            <a:ext cx="2538552" cy="3306028"/>
+          </a:xfrm>
+          <a:prstGeom prst="rect">
+            <a:avLst/>
+          </a:prstGeom>
+          <a:noFill/>
+          <a:ln w="28575">
+            <a:solidFill>
+              <a:srgbClr val="E0700D"/>
+            </a:solidFill>
+          </a:ln>
+        </p:spPr>
+        <p:style>
+          <a:lnRef idx="2">
+            <a:schemeClr val="accent1">
+              <a:shade val="15000"/>
+            </a:schemeClr>
+          </a:lnRef>
+          <a:fillRef idx="1">
+            <a:schemeClr val="accent1"/>
+          </a:fillRef>
+          <a:effectRef idx="0">
+            <a:schemeClr val="accent1"/>
+          </a:effectRef>
+          <a:fontRef idx="minor">
+            <a:schemeClr val="lt1"/>
+          </a:fontRef>
+        </p:style>
+        <p:txBody>
+          <a:bodyPr rtlCol="0" anchor="ctr"/>
+          <a:lstStyle/>
+          <a:p>
+            <a:pPr algn="ctr"/>
+            <a:endParaRPr lang="en-US"/>
+          </a:p>
+        </p:txBody>
+      </p:sp>
+      <p:sp>
+        <p:nvSpPr>
+          <p:cNvPr id="10" name="CuadroTexto 9">
+            <a:extLst>
+              <a:ext uri="{FF2B5EF4-FFF2-40B4-BE49-F238E27FC236}">
+                <a16:creationId xmlns:a16="http://schemas.microsoft.com/office/drawing/2014/main" id="{3146642F-220B-8F6A-59A8-2D128DDF3BEB}"/>
+              </a:ext>
+            </a:extLst>
+          </p:cNvPr>
+          <p:cNvSpPr txBox="1"/>
+          <p:nvPr/>
+        </p:nvSpPr>
+        <p:spPr>
+          <a:xfrm>
+            <a:off x="3529935" y="2104638"/>
+            <a:ext cx="2033313" cy="1938992"/>
+          </a:xfrm>
+          <a:prstGeom prst="rect">
+            <a:avLst/>
+          </a:prstGeom>
+          <a:noFill/>
+        </p:spPr>
+        <p:txBody>
+          <a:bodyPr wrap="none" rtlCol="0">
+            <a:spAutoFit/>
+          </a:bodyPr>
+          <a:lstStyle/>
+          <a:p>
+            <a:pPr algn="ctr"/>
+            <a:r>
+              <a:rPr lang="es-ES" sz="2000" dirty="0"/>
+              <a:t>Single ring</a:t>
+            </a:r>
+          </a:p>
+          <a:p>
+            <a:pPr algn="ctr"/>
+            <a:r>
+              <a:rPr lang="es-ES" sz="2000" dirty="0"/>
+              <a:t>transfer </a:t>
+            </a:r>
+            <a:r>
+              <a:rPr lang="es-ES" sz="2000" dirty="0" err="1"/>
+              <a:t>functions</a:t>
+            </a:r>
+            <a:endParaRPr lang="es-ES" sz="2000" dirty="0"/>
+          </a:p>
+          <a:p>
+            <a:pPr algn="ctr"/>
+            <a:endParaRPr lang="es-ES" sz="2000" dirty="0"/>
+          </a:p>
+          <a:p>
+            <a:pPr algn="ctr"/>
+            <a:r>
+              <a:rPr lang="es-ES" sz="2000" dirty="0"/>
+              <a:t>Linear </a:t>
+            </a:r>
+            <a:r>
+              <a:rPr lang="es-ES" sz="2000" dirty="0" err="1"/>
+              <a:t>units</a:t>
+            </a:r>
+            <a:endParaRPr lang="es-ES" sz="2000" dirty="0"/>
+          </a:p>
+          <a:p>
+            <a:pPr algn="ctr"/>
+            <a:endParaRPr lang="es-ES" sz="2000" dirty="0"/>
+          </a:p>
+          <a:p>
+            <a:pPr algn="ctr"/>
+            <a:r>
+              <a:rPr lang="es-ES" sz="2000" dirty="0"/>
+              <a:t>K=</a:t>
+            </a:r>
+            <a:endParaRPr lang="en-US" sz="2000" dirty="0"/>
+          </a:p>
+        </p:txBody>
+      </p:sp>
+      <p:sp>
+        <p:nvSpPr>
+          <p:cNvPr id="13" name="CuadroTexto 12">
+            <a:extLst>
+              <a:ext uri="{FF2B5EF4-FFF2-40B4-BE49-F238E27FC236}">
+                <a16:creationId xmlns:a16="http://schemas.microsoft.com/office/drawing/2014/main" id="{057C499E-829F-FB11-9128-843C937CB822}"/>
+              </a:ext>
+            </a:extLst>
+          </p:cNvPr>
+          <p:cNvSpPr txBox="1"/>
+          <p:nvPr/>
+        </p:nvSpPr>
+        <p:spPr>
+          <a:xfrm>
+            <a:off x="6195187" y="2101891"/>
+            <a:ext cx="2033313" cy="1938992"/>
+          </a:xfrm>
+          <a:prstGeom prst="rect">
+            <a:avLst/>
+          </a:prstGeom>
+          <a:noFill/>
+        </p:spPr>
+        <p:txBody>
+          <a:bodyPr wrap="none" rtlCol="0">
+            <a:spAutoFit/>
+          </a:bodyPr>
+          <a:lstStyle/>
+          <a:p>
+            <a:pPr algn="ctr"/>
+            <a:r>
+              <a:rPr lang="es-ES" sz="2000" dirty="0"/>
+              <a:t>Single ring</a:t>
+            </a:r>
+          </a:p>
+          <a:p>
+            <a:pPr algn="ctr"/>
+            <a:r>
+              <a:rPr lang="es-ES" sz="2000" dirty="0"/>
+              <a:t>transfer </a:t>
+            </a:r>
+            <a:r>
+              <a:rPr lang="es-ES" sz="2000" dirty="0" err="1"/>
+              <a:t>functions</a:t>
+            </a:r>
+            <a:endParaRPr lang="es-ES" sz="2000" dirty="0"/>
+          </a:p>
+          <a:p>
+            <a:pPr algn="ctr"/>
+            <a:endParaRPr lang="es-ES" sz="2000" dirty="0"/>
+          </a:p>
+          <a:p>
+            <a:pPr algn="ctr"/>
+            <a:r>
+              <a:rPr lang="es-ES" sz="2000" dirty="0"/>
+              <a:t>Linear </a:t>
+            </a:r>
+            <a:r>
+              <a:rPr lang="es-ES" sz="2000" dirty="0" err="1"/>
+              <a:t>units</a:t>
+            </a:r>
+            <a:endParaRPr lang="es-ES" sz="2000" dirty="0"/>
+          </a:p>
+          <a:p>
+            <a:pPr algn="ctr"/>
+            <a:endParaRPr lang="es-ES" sz="2000" dirty="0"/>
+          </a:p>
+          <a:p>
+            <a:pPr algn="ctr"/>
+            <a:r>
+              <a:rPr lang="es-ES" sz="2000" dirty="0"/>
+              <a:t>K=</a:t>
+            </a:r>
+            <a:endParaRPr lang="en-US" sz="2000" dirty="0"/>
+          </a:p>
+        </p:txBody>
+      </p:sp>
+      <p:sp>
+        <p:nvSpPr>
+          <p:cNvPr id="12" name="CuadroTexto 11">
+            <a:extLst>
+              <a:ext uri="{FF2B5EF4-FFF2-40B4-BE49-F238E27FC236}">
+                <a16:creationId xmlns:a16="http://schemas.microsoft.com/office/drawing/2014/main" id="{4E78CC89-1377-28A4-024D-1B017D551FC5}"/>
+              </a:ext>
+            </a:extLst>
+          </p:cNvPr>
+          <p:cNvSpPr txBox="1"/>
+          <p:nvPr/>
+        </p:nvSpPr>
+        <p:spPr>
+          <a:xfrm>
+            <a:off x="9869875" y="2871332"/>
+            <a:ext cx="360996" cy="400110"/>
+          </a:xfrm>
+          <a:prstGeom prst="rect">
+            <a:avLst/>
+          </a:prstGeom>
+          <a:noFill/>
+        </p:spPr>
+        <p:txBody>
+          <a:bodyPr wrap="none" rtlCol="0">
+            <a:spAutoFit/>
+          </a:bodyPr>
+          <a:lstStyle/>
+          <a:p>
+            <a:pPr algn="ctr"/>
+            <a:r>
+              <a:rPr lang="es-ES" sz="2000" dirty="0"/>
+              <a:t>…</a:t>
+            </a:r>
+            <a:endParaRPr lang="en-US" sz="2000" dirty="0"/>
+          </a:p>
+        </p:txBody>
+      </p:sp>
+      <p:pic>
+        <p:nvPicPr>
+          <p:cNvPr id="3" name="Gráfico 2">
+            <a:extLst>
+              <a:ext uri="{FF2B5EF4-FFF2-40B4-BE49-F238E27FC236}">
+                <a16:creationId xmlns:a16="http://schemas.microsoft.com/office/drawing/2014/main" id="{0B245A9E-6C9A-F3A8-E4B7-661580126414}"/>
+              </a:ext>
+            </a:extLst>
+          </p:cNvPr>
+          <p:cNvPicPr>
+            <a:picLocks noChangeAspect="1"/>
+          </p:cNvPicPr>
+          <p:nvPr/>
+        </p:nvPicPr>
+        <p:blipFill>
+          <a:blip r:embed="rId2">
+            <a:extLst>
+              <a:ext uri="{96DAC541-7B7A-43D3-8B79-37D633B846F1}">
+                <asvg:svgBlip xmlns:asvg="http://schemas.microsoft.com/office/drawing/2016/SVG/main" r:embed="rId3"/>
+              </a:ext>
+            </a:extLst>
+          </a:blip>
+          <a:stretch>
+            <a:fillRect/>
+          </a:stretch>
+        </p:blipFill>
+        <p:spPr>
+          <a:xfrm>
+            <a:off x="5045006" y="6356057"/>
+            <a:ext cx="6409575" cy="363174"/>
+          </a:xfrm>
+          <a:prstGeom prst="rect">
+            <a:avLst/>
+          </a:prstGeom>
+        </p:spPr>
+      </p:pic>
+      <p:sp>
+        <p:nvSpPr>
+          <p:cNvPr id="16" name="object 16">
+            <a:extLst>
+              <a:ext uri="{FF2B5EF4-FFF2-40B4-BE49-F238E27FC236}">
+                <a16:creationId xmlns:a16="http://schemas.microsoft.com/office/drawing/2014/main" id="{8266F13B-05F1-81DE-B638-66D10EEB9FA2}"/>
+              </a:ext>
+            </a:extLst>
+          </p:cNvPr>
+          <p:cNvSpPr txBox="1">
+            <a:spLocks/>
+          </p:cNvSpPr>
+          <p:nvPr/>
+        </p:nvSpPr>
+        <p:spPr>
+          <a:xfrm>
+            <a:off x="685800" y="408883"/>
+            <a:ext cx="10994410" cy="718145"/>
+          </a:xfrm>
+          <a:prstGeom prst="rect">
+            <a:avLst/>
+          </a:prstGeom>
+        </p:spPr>
+        <p:txBody>
+          <a:bodyPr vert="horz" wrap="square" lIns="0" tIns="12700" rIns="0" bIns="0" rtlCol="0">
+            <a:spAutoFit/>
+          </a:bodyPr>
+          <a:lstStyle>
+            <a:lvl1pPr>
+              <a:defRPr sz="2000" b="1" i="0">
+                <a:solidFill>
+                  <a:schemeClr val="tx1"/>
+                </a:solidFill>
+                <a:latin typeface="Calibri"/>
+                <a:ea typeface="+mj-ea"/>
+                <a:cs typeface="Calibri"/>
+              </a:defRPr>
+            </a:lvl1pPr>
+          </a:lstStyle>
+          <a:p>
+            <a:pPr marL="12700">
+              <a:spcBef>
+                <a:spcPts val="100"/>
+              </a:spcBef>
+            </a:pPr>
+            <a:r>
+              <a:rPr lang="en-US" sz="2500" kern="0" dirty="0"/>
+              <a:t>Learning outcome #6a – Effect of K </a:t>
+            </a:r>
+          </a:p>
+          <a:p>
+            <a:pPr marL="12700">
+              <a:spcBef>
+                <a:spcPts val="100"/>
+              </a:spcBef>
+            </a:pPr>
+            <a:r>
+              <a:rPr lang="en-US" b="0" kern="0" spc="-5" dirty="0">
+                <a:latin typeface="+mj-lt"/>
+                <a:cs typeface="Lucida Sans"/>
+              </a:rPr>
+              <a:t>Change K value between 0.1 and 0.9 in steps of 0.1</a:t>
+            </a:r>
+          </a:p>
+        </p:txBody>
+      </p:sp>
+    </p:spTree>
+    <p:extLst>
+      <p:ext uri="{BB962C8B-B14F-4D97-AF65-F5344CB8AC3E}">
+        <p14:creationId xmlns:p14="http://schemas.microsoft.com/office/powerpoint/2010/main" val="1931625216"/>
+      </p:ext>
+    </p:extLst>
   </p:cSld>
   <p:clrMapOvr>
     <a:masterClrMapping/>
